--- a/resume/Tyler_Foster_Resume.pptx
+++ b/resume/Tyler_Foster_Resume.pptx
@@ -112,7 +112,7 @@
   </p:defaultTextStyle>
   <p:extLst>
     <p:ext uri="{EFAFB233-063F-42B5-8137-9DF3F51BA10A}">
-      <p15:sldGuideLst xmlns="" xmlns:p15="http://schemas.microsoft.com/office/powerpoint/2012/main">
+      <p15:sldGuideLst xmlns:p15="http://schemas.microsoft.com/office/powerpoint/2012/main" xmlns="">
         <p15:guide id="1" orient="horz" pos="2880" userDrawn="1">
           <p15:clr>
             <a:srgbClr val="A4A3A4"/>
@@ -126,7 +126,7 @@
       </p15:sldGuideLst>
     </p:ext>
     <p:ext uri="{2D200454-40CA-4A62-9FC3-DE9A4176ACB9}">
-      <p15:notesGuideLst xmlns="" xmlns:p15="http://schemas.microsoft.com/office/powerpoint/2012/main"/>
+      <p15:notesGuideLst xmlns:p15="http://schemas.microsoft.com/office/powerpoint/2012/main" xmlns=""/>
     </p:ext>
   </p:extLst>
 </p:presentation>
@@ -1198,7 +1198,7 @@
           <p:cNvPr id="2" name="Header Placeholder 1">
             <a:extLst>
               <a:ext uri="{FF2B5EF4-FFF2-40B4-BE49-F238E27FC236}">
-                <a16:creationId xmlns="" xmlns:a16="http://schemas.microsoft.com/office/drawing/2014/main" id="{3BBD6D3A-6FF1-3245-8C0C-0CDAD9137D3D}"/>
+                <a16:creationId xmlns:a16="http://schemas.microsoft.com/office/drawing/2014/main" xmlns="" id="{3BBD6D3A-6FF1-3245-8C0C-0CDAD9137D3D}"/>
               </a:ext>
             </a:extLst>
           </p:cNvPr>
@@ -1235,7 +1235,7 @@
           <p:cNvPr id="3" name="Date Placeholder 2">
             <a:extLst>
               <a:ext uri="{FF2B5EF4-FFF2-40B4-BE49-F238E27FC236}">
-                <a16:creationId xmlns="" xmlns:a16="http://schemas.microsoft.com/office/drawing/2014/main" id="{D441029F-5AC1-4540-B209-199E706F7FB5}"/>
+                <a16:creationId xmlns:a16="http://schemas.microsoft.com/office/drawing/2014/main" xmlns="" id="{D441029F-5AC1-4540-B209-199E706F7FB5}"/>
               </a:ext>
             </a:extLst>
           </p:cNvPr>
@@ -1265,7 +1265,7 @@
           <a:p>
             <a:fld id="{963396E7-87BF-864A-BE04-A221C272D6E1}" type="datetimeFigureOut">
               <a:rPr lang="en-US" smtClean="0"/>
-              <a:t>6/14/2020</a:t>
+              <a:t>4/9/2021</a:t>
             </a:fld>
             <a:endParaRPr lang="en-US" dirty="0"/>
           </a:p>
@@ -1276,7 +1276,7 @@
           <p:cNvPr id="4" name="Footer Placeholder 3">
             <a:extLst>
               <a:ext uri="{FF2B5EF4-FFF2-40B4-BE49-F238E27FC236}">
-                <a16:creationId xmlns="" xmlns:a16="http://schemas.microsoft.com/office/drawing/2014/main" id="{9324ECBB-A41A-8545-BE90-99EEEFFE585F}"/>
+                <a16:creationId xmlns:a16="http://schemas.microsoft.com/office/drawing/2014/main" xmlns="" id="{9324ECBB-A41A-8545-BE90-99EEEFFE585F}"/>
               </a:ext>
             </a:extLst>
           </p:cNvPr>
@@ -1313,7 +1313,7 @@
           <p:cNvPr id="5" name="Slide Number Placeholder 4">
             <a:extLst>
               <a:ext uri="{FF2B5EF4-FFF2-40B4-BE49-F238E27FC236}">
-                <a16:creationId xmlns="" xmlns:a16="http://schemas.microsoft.com/office/drawing/2014/main" id="{9D882C71-B8E6-9B4A-85BE-BA104C2C46F3}"/>
+                <a16:creationId xmlns:a16="http://schemas.microsoft.com/office/drawing/2014/main" xmlns="" id="{9D882C71-B8E6-9B4A-85BE-BA104C2C46F3}"/>
               </a:ext>
             </a:extLst>
           </p:cNvPr>
@@ -1442,7 +1442,7 @@
           <a:p>
             <a:fld id="{D9BDC7F0-27B3-48E7-9288-964E7EEDAEE4}" type="datetimeFigureOut">
               <a:rPr lang="en-US" smtClean="0"/>
-              <a:t>6/14/2020</a:t>
+              <a:t>4/9/2021</a:t>
             </a:fld>
             <a:endParaRPr lang="en-US" dirty="0"/>
           </a:p>
@@ -1741,7 +1741,7 @@
           <p:cNvPr id="59" name="Rectangle 58">
             <a:extLst>
               <a:ext uri="{FF2B5EF4-FFF2-40B4-BE49-F238E27FC236}">
-                <a16:creationId xmlns="" xmlns:a16="http://schemas.microsoft.com/office/drawing/2014/main" id="{6E26CF3A-F55E-E544-9FB2-7100E5D01487}"/>
+                <a16:creationId xmlns:a16="http://schemas.microsoft.com/office/drawing/2014/main" xmlns="" id="{6E26CF3A-F55E-E544-9FB2-7100E5D01487}"/>
               </a:ext>
             </a:extLst>
           </p:cNvPr>
@@ -1793,7 +1793,7 @@
           <p:cNvPr id="2" name="Title 1" hidden="1">
             <a:extLst>
               <a:ext uri="{FF2B5EF4-FFF2-40B4-BE49-F238E27FC236}">
-                <a16:creationId xmlns="" xmlns:a16="http://schemas.microsoft.com/office/drawing/2014/main" id="{E8C10ABA-8587-C140-975A-2657A46279AA}"/>
+                <a16:creationId xmlns:a16="http://schemas.microsoft.com/office/drawing/2014/main" xmlns="" id="{E8C10ABA-8587-C140-975A-2657A46279AA}"/>
               </a:ext>
             </a:extLst>
           </p:cNvPr>
@@ -1839,7 +1839,7 @@
           <p:cNvPr id="20" name="Text Placeholder 18" hidden="1">
             <a:extLst>
               <a:ext uri="{FF2B5EF4-FFF2-40B4-BE49-F238E27FC236}">
-                <a16:creationId xmlns="" xmlns:a16="http://schemas.microsoft.com/office/drawing/2014/main" id="{5B977851-1691-7D44-B07D-01B553D09910}"/>
+                <a16:creationId xmlns:a16="http://schemas.microsoft.com/office/drawing/2014/main" xmlns="" id="{5B977851-1691-7D44-B07D-01B553D09910}"/>
               </a:ext>
             </a:extLst>
           </p:cNvPr>
@@ -1916,7 +1916,7 @@
           <p:cNvPr id="25" name="Text Placeholder 18" hidden="1">
             <a:extLst>
               <a:ext uri="{FF2B5EF4-FFF2-40B4-BE49-F238E27FC236}">
-                <a16:creationId xmlns="" xmlns:a16="http://schemas.microsoft.com/office/drawing/2014/main" id="{420A5075-C2B7-444D-BC6C-6938ACA01FF6}"/>
+                <a16:creationId xmlns:a16="http://schemas.microsoft.com/office/drawing/2014/main" xmlns="" id="{420A5075-C2B7-444D-BC6C-6938ACA01FF6}"/>
               </a:ext>
             </a:extLst>
           </p:cNvPr>
@@ -1993,7 +1993,7 @@
           <p:cNvPr id="30" name="Text Placeholder 18" hidden="1">
             <a:extLst>
               <a:ext uri="{FF2B5EF4-FFF2-40B4-BE49-F238E27FC236}">
-                <a16:creationId xmlns="" xmlns:a16="http://schemas.microsoft.com/office/drawing/2014/main" id="{5C2D1E8C-5EC6-3F41-93FE-E77D60FCAF9D}"/>
+                <a16:creationId xmlns:a16="http://schemas.microsoft.com/office/drawing/2014/main" xmlns="" id="{5C2D1E8C-5EC6-3F41-93FE-E77D60FCAF9D}"/>
               </a:ext>
             </a:extLst>
           </p:cNvPr>
@@ -2071,7 +2071,7 @@
           <p:cNvPr id="31" name="Text Placeholder 18" hidden="1">
             <a:extLst>
               <a:ext uri="{FF2B5EF4-FFF2-40B4-BE49-F238E27FC236}">
-                <a16:creationId xmlns="" xmlns:a16="http://schemas.microsoft.com/office/drawing/2014/main" id="{5262C941-7E67-EA41-A288-3F705E28D280}"/>
+                <a16:creationId xmlns:a16="http://schemas.microsoft.com/office/drawing/2014/main" xmlns="" id="{5262C941-7E67-EA41-A288-3F705E28D280}"/>
               </a:ext>
             </a:extLst>
           </p:cNvPr>
@@ -2149,7 +2149,7 @@
           <p:cNvPr id="42" name="Text Placeholder 18" hidden="1">
             <a:extLst>
               <a:ext uri="{FF2B5EF4-FFF2-40B4-BE49-F238E27FC236}">
-                <a16:creationId xmlns="" xmlns:a16="http://schemas.microsoft.com/office/drawing/2014/main" id="{BF56832D-FE58-2F46-9555-1CCA6C0981CF}"/>
+                <a16:creationId xmlns:a16="http://schemas.microsoft.com/office/drawing/2014/main" xmlns="" id="{BF56832D-FE58-2F46-9555-1CCA6C0981CF}"/>
               </a:ext>
             </a:extLst>
           </p:cNvPr>
@@ -2226,7 +2226,7 @@
           <p:cNvPr id="43" name="Text Placeholder 18" hidden="1">
             <a:extLst>
               <a:ext uri="{FF2B5EF4-FFF2-40B4-BE49-F238E27FC236}">
-                <a16:creationId xmlns="" xmlns:a16="http://schemas.microsoft.com/office/drawing/2014/main" id="{FDF93C53-2C8A-884C-B211-EF7B46AB70A6}"/>
+                <a16:creationId xmlns:a16="http://schemas.microsoft.com/office/drawing/2014/main" xmlns="" id="{FDF93C53-2C8A-884C-B211-EF7B46AB70A6}"/>
               </a:ext>
             </a:extLst>
           </p:cNvPr>
@@ -2303,7 +2303,7 @@
           <p:cNvPr id="96" name="Text Placeholder 8" hidden="1">
             <a:extLst>
               <a:ext uri="{FF2B5EF4-FFF2-40B4-BE49-F238E27FC236}">
-                <a16:creationId xmlns="" xmlns:a16="http://schemas.microsoft.com/office/drawing/2014/main" id="{2B1A41A9-8C5A-224E-9B99-968DDF5B8251}"/>
+                <a16:creationId xmlns:a16="http://schemas.microsoft.com/office/drawing/2014/main" xmlns="" id="{2B1A41A9-8C5A-224E-9B99-968DDF5B8251}"/>
               </a:ext>
             </a:extLst>
           </p:cNvPr>
@@ -2348,7 +2348,7 @@
           <p:cNvPr id="97" name="Text Placeholder 8" hidden="1">
             <a:extLst>
               <a:ext uri="{FF2B5EF4-FFF2-40B4-BE49-F238E27FC236}">
-                <a16:creationId xmlns="" xmlns:a16="http://schemas.microsoft.com/office/drawing/2014/main" id="{621A3ADB-23BD-8F43-BACD-95921D4463F0}"/>
+                <a16:creationId xmlns:a16="http://schemas.microsoft.com/office/drawing/2014/main" xmlns="" id="{621A3ADB-23BD-8F43-BACD-95921D4463F0}"/>
               </a:ext>
             </a:extLst>
           </p:cNvPr>
@@ -2393,7 +2393,7 @@
           <p:cNvPr id="98" name="Text Placeholder 8" hidden="1">
             <a:extLst>
               <a:ext uri="{FF2B5EF4-FFF2-40B4-BE49-F238E27FC236}">
-                <a16:creationId xmlns="" xmlns:a16="http://schemas.microsoft.com/office/drawing/2014/main" id="{D6D17EAF-2F02-AA4A-8E44-8B309C23BE74}"/>
+                <a16:creationId xmlns:a16="http://schemas.microsoft.com/office/drawing/2014/main" xmlns="" id="{D6D17EAF-2F02-AA4A-8E44-8B309C23BE74}"/>
               </a:ext>
             </a:extLst>
           </p:cNvPr>
@@ -2442,7 +2442,7 @@
           <p:cNvPr id="99" name="Text Placeholder 8" hidden="1">
             <a:extLst>
               <a:ext uri="{FF2B5EF4-FFF2-40B4-BE49-F238E27FC236}">
-                <a16:creationId xmlns="" xmlns:a16="http://schemas.microsoft.com/office/drawing/2014/main" id="{6E210A9C-46CF-E34B-8A51-F4EB49C0E818}"/>
+                <a16:creationId xmlns:a16="http://schemas.microsoft.com/office/drawing/2014/main" xmlns="" id="{6E210A9C-46CF-E34B-8A51-F4EB49C0E818}"/>
               </a:ext>
             </a:extLst>
           </p:cNvPr>
@@ -2487,7 +2487,7 @@
           <p:cNvPr id="104" name="Text Placeholder 8" hidden="1">
             <a:extLst>
               <a:ext uri="{FF2B5EF4-FFF2-40B4-BE49-F238E27FC236}">
-                <a16:creationId xmlns="" xmlns:a16="http://schemas.microsoft.com/office/drawing/2014/main" id="{5B112CE7-45E8-2E43-A633-DB4096453E16}"/>
+                <a16:creationId xmlns:a16="http://schemas.microsoft.com/office/drawing/2014/main" xmlns="" id="{5B112CE7-45E8-2E43-A633-DB4096453E16}"/>
               </a:ext>
             </a:extLst>
           </p:cNvPr>
@@ -2532,7 +2532,7 @@
           <p:cNvPr id="105" name="Text Placeholder 8" hidden="1">
             <a:extLst>
               <a:ext uri="{FF2B5EF4-FFF2-40B4-BE49-F238E27FC236}">
-                <a16:creationId xmlns="" xmlns:a16="http://schemas.microsoft.com/office/drawing/2014/main" id="{57C75573-1BA8-C749-8829-0A0E96DACB4F}"/>
+                <a16:creationId xmlns:a16="http://schemas.microsoft.com/office/drawing/2014/main" xmlns="" id="{57C75573-1BA8-C749-8829-0A0E96DACB4F}"/>
               </a:ext>
             </a:extLst>
           </p:cNvPr>
@@ -2577,7 +2577,7 @@
           <p:cNvPr id="106" name="Text Placeholder 8" hidden="1">
             <a:extLst>
               <a:ext uri="{FF2B5EF4-FFF2-40B4-BE49-F238E27FC236}">
-                <a16:creationId xmlns="" xmlns:a16="http://schemas.microsoft.com/office/drawing/2014/main" id="{03288328-BBC2-C043-ABA7-6DE1329DE976}"/>
+                <a16:creationId xmlns:a16="http://schemas.microsoft.com/office/drawing/2014/main" xmlns="" id="{03288328-BBC2-C043-ABA7-6DE1329DE976}"/>
               </a:ext>
             </a:extLst>
           </p:cNvPr>
@@ -2626,7 +2626,7 @@
           <p:cNvPr id="107" name="Text Placeholder 8" hidden="1">
             <a:extLst>
               <a:ext uri="{FF2B5EF4-FFF2-40B4-BE49-F238E27FC236}">
-                <a16:creationId xmlns="" xmlns:a16="http://schemas.microsoft.com/office/drawing/2014/main" id="{82046C4E-90DA-4347-A96F-BD316B2235F4}"/>
+                <a16:creationId xmlns:a16="http://schemas.microsoft.com/office/drawing/2014/main" xmlns="" id="{82046C4E-90DA-4347-A96F-BD316B2235F4}"/>
               </a:ext>
             </a:extLst>
           </p:cNvPr>
@@ -2671,7 +2671,7 @@
           <p:cNvPr id="108" name="Text Placeholder 8" hidden="1">
             <a:extLst>
               <a:ext uri="{FF2B5EF4-FFF2-40B4-BE49-F238E27FC236}">
-                <a16:creationId xmlns="" xmlns:a16="http://schemas.microsoft.com/office/drawing/2014/main" id="{D7E3073B-1F03-B344-9CCF-D116EF964110}"/>
+                <a16:creationId xmlns:a16="http://schemas.microsoft.com/office/drawing/2014/main" xmlns="" id="{D7E3073B-1F03-B344-9CCF-D116EF964110}"/>
               </a:ext>
             </a:extLst>
           </p:cNvPr>
@@ -2716,7 +2716,7 @@
           <p:cNvPr id="109" name="Text Placeholder 8" hidden="1">
             <a:extLst>
               <a:ext uri="{FF2B5EF4-FFF2-40B4-BE49-F238E27FC236}">
-                <a16:creationId xmlns="" xmlns:a16="http://schemas.microsoft.com/office/drawing/2014/main" id="{2EE283F0-AFCD-5741-8C35-207ABF2D6E52}"/>
+                <a16:creationId xmlns:a16="http://schemas.microsoft.com/office/drawing/2014/main" xmlns="" id="{2EE283F0-AFCD-5741-8C35-207ABF2D6E52}"/>
               </a:ext>
             </a:extLst>
           </p:cNvPr>
@@ -2765,7 +2765,7 @@
           <p:cNvPr id="141" name="Text Placeholder 18" hidden="1">
             <a:extLst>
               <a:ext uri="{FF2B5EF4-FFF2-40B4-BE49-F238E27FC236}">
-                <a16:creationId xmlns="" xmlns:a16="http://schemas.microsoft.com/office/drawing/2014/main" id="{74300729-6F26-BF4C-84B9-420C9383BB75}"/>
+                <a16:creationId xmlns:a16="http://schemas.microsoft.com/office/drawing/2014/main" xmlns="" id="{74300729-6F26-BF4C-84B9-420C9383BB75}"/>
               </a:ext>
             </a:extLst>
           </p:cNvPr>
@@ -2842,7 +2842,7 @@
           <p:cNvPr id="142" name="Text Placeholder 18" hidden="1">
             <a:extLst>
               <a:ext uri="{FF2B5EF4-FFF2-40B4-BE49-F238E27FC236}">
-                <a16:creationId xmlns="" xmlns:a16="http://schemas.microsoft.com/office/drawing/2014/main" id="{DDE57839-AE02-5A48-BA9C-A372F59A8A9A}"/>
+                <a16:creationId xmlns:a16="http://schemas.microsoft.com/office/drawing/2014/main" xmlns="" id="{DDE57839-AE02-5A48-BA9C-A372F59A8A9A}"/>
               </a:ext>
             </a:extLst>
           </p:cNvPr>
@@ -2919,7 +2919,7 @@
           <p:cNvPr id="143" name="Text Placeholder 18" hidden="1">
             <a:extLst>
               <a:ext uri="{FF2B5EF4-FFF2-40B4-BE49-F238E27FC236}">
-                <a16:creationId xmlns="" xmlns:a16="http://schemas.microsoft.com/office/drawing/2014/main" id="{D9890AB4-F0C2-C14A-AE40-76B0671D7726}"/>
+                <a16:creationId xmlns:a16="http://schemas.microsoft.com/office/drawing/2014/main" xmlns="" id="{D9890AB4-F0C2-C14A-AE40-76B0671D7726}"/>
               </a:ext>
             </a:extLst>
           </p:cNvPr>
@@ -2996,7 +2996,7 @@
           <p:cNvPr id="66" name="Picture Placeholder 65">
             <a:extLst>
               <a:ext uri="{FF2B5EF4-FFF2-40B4-BE49-F238E27FC236}">
-                <a16:creationId xmlns="" xmlns:a16="http://schemas.microsoft.com/office/drawing/2014/main" id="{D99AF921-7F38-AA4D-A86E-AAA8D030F264}"/>
+                <a16:creationId xmlns:a16="http://schemas.microsoft.com/office/drawing/2014/main" xmlns="" id="{D99AF921-7F38-AA4D-A86E-AAA8D030F264}"/>
               </a:ext>
             </a:extLst>
           </p:cNvPr>
@@ -3063,7 +3063,7 @@
           <p:cNvPr id="306" name="Text Placeholder 25" hidden="1">
             <a:extLst>
               <a:ext uri="{FF2B5EF4-FFF2-40B4-BE49-F238E27FC236}">
-                <a16:creationId xmlns="" xmlns:a16="http://schemas.microsoft.com/office/drawing/2014/main" id="{F296C2BF-1825-2C45-A87E-72A783A27BCE}"/>
+                <a16:creationId xmlns:a16="http://schemas.microsoft.com/office/drawing/2014/main" xmlns="" id="{F296C2BF-1825-2C45-A87E-72A783A27BCE}"/>
               </a:ext>
             </a:extLst>
           </p:cNvPr>
@@ -3145,7 +3145,7 @@
           <p:cNvPr id="310" name="Text Placeholder 25" hidden="1">
             <a:extLst>
               <a:ext uri="{FF2B5EF4-FFF2-40B4-BE49-F238E27FC236}">
-                <a16:creationId xmlns="" xmlns:a16="http://schemas.microsoft.com/office/drawing/2014/main" id="{847127D0-A2CA-244C-B0BB-449CC673F06E}"/>
+                <a16:creationId xmlns:a16="http://schemas.microsoft.com/office/drawing/2014/main" xmlns="" id="{847127D0-A2CA-244C-B0BB-449CC673F06E}"/>
               </a:ext>
             </a:extLst>
           </p:cNvPr>
@@ -3227,7 +3227,7 @@
           <p:cNvPr id="312" name="Text Placeholder 25" hidden="1">
             <a:extLst>
               <a:ext uri="{FF2B5EF4-FFF2-40B4-BE49-F238E27FC236}">
-                <a16:creationId xmlns="" xmlns:a16="http://schemas.microsoft.com/office/drawing/2014/main" id="{977FAA94-5605-AD4B-8EC7-19418B74B7FC}"/>
+                <a16:creationId xmlns:a16="http://schemas.microsoft.com/office/drawing/2014/main" xmlns="" id="{977FAA94-5605-AD4B-8EC7-19418B74B7FC}"/>
               </a:ext>
             </a:extLst>
           </p:cNvPr>
@@ -3309,7 +3309,7 @@
           <p:cNvPr id="317" name="Text Placeholder 25" hidden="1">
             <a:extLst>
               <a:ext uri="{FF2B5EF4-FFF2-40B4-BE49-F238E27FC236}">
-                <a16:creationId xmlns="" xmlns:a16="http://schemas.microsoft.com/office/drawing/2014/main" id="{55B31FD5-2D4E-FB40-8D3B-9D64BB06ACEB}"/>
+                <a16:creationId xmlns:a16="http://schemas.microsoft.com/office/drawing/2014/main" xmlns="" id="{55B31FD5-2D4E-FB40-8D3B-9D64BB06ACEB}"/>
               </a:ext>
             </a:extLst>
           </p:cNvPr>
@@ -3391,7 +3391,7 @@
           <p:cNvPr id="318" name="Text Placeholder 25" hidden="1">
             <a:extLst>
               <a:ext uri="{FF2B5EF4-FFF2-40B4-BE49-F238E27FC236}">
-                <a16:creationId xmlns="" xmlns:a16="http://schemas.microsoft.com/office/drawing/2014/main" id="{ACC18595-C5AA-D643-9CE9-8E035BE3CBCF}"/>
+                <a16:creationId xmlns:a16="http://schemas.microsoft.com/office/drawing/2014/main" xmlns="" id="{ACC18595-C5AA-D643-9CE9-8E035BE3CBCF}"/>
               </a:ext>
             </a:extLst>
           </p:cNvPr>
@@ -3473,7 +3473,7 @@
           <p:cNvPr id="336" name="Text Placeholder 25" hidden="1">
             <a:extLst>
               <a:ext uri="{FF2B5EF4-FFF2-40B4-BE49-F238E27FC236}">
-                <a16:creationId xmlns="" xmlns:a16="http://schemas.microsoft.com/office/drawing/2014/main" id="{8AE7172C-56DA-214E-A8DD-40FE03883127}"/>
+                <a16:creationId xmlns:a16="http://schemas.microsoft.com/office/drawing/2014/main" xmlns="" id="{8AE7172C-56DA-214E-A8DD-40FE03883127}"/>
               </a:ext>
             </a:extLst>
           </p:cNvPr>
@@ -3555,7 +3555,7 @@
           <p:cNvPr id="337" name="Text Placeholder 25" hidden="1">
             <a:extLst>
               <a:ext uri="{FF2B5EF4-FFF2-40B4-BE49-F238E27FC236}">
-                <a16:creationId xmlns="" xmlns:a16="http://schemas.microsoft.com/office/drawing/2014/main" id="{A97B1250-9241-564A-A4AB-2492DD96A3E1}"/>
+                <a16:creationId xmlns:a16="http://schemas.microsoft.com/office/drawing/2014/main" xmlns="" id="{A97B1250-9241-564A-A4AB-2492DD96A3E1}"/>
               </a:ext>
             </a:extLst>
           </p:cNvPr>
@@ -3637,7 +3637,7 @@
           <p:cNvPr id="338" name="Text Placeholder 25" hidden="1">
             <a:extLst>
               <a:ext uri="{FF2B5EF4-FFF2-40B4-BE49-F238E27FC236}">
-                <a16:creationId xmlns="" xmlns:a16="http://schemas.microsoft.com/office/drawing/2014/main" id="{B200B1D1-4434-5E49-8BFF-B6FF720E1DD5}"/>
+                <a16:creationId xmlns:a16="http://schemas.microsoft.com/office/drawing/2014/main" xmlns="" id="{B200B1D1-4434-5E49-8BFF-B6FF720E1DD5}"/>
               </a:ext>
             </a:extLst>
           </p:cNvPr>
@@ -3719,7 +3719,7 @@
           <p:cNvPr id="339" name="Text Placeholder 25" hidden="1">
             <a:extLst>
               <a:ext uri="{FF2B5EF4-FFF2-40B4-BE49-F238E27FC236}">
-                <a16:creationId xmlns="" xmlns:a16="http://schemas.microsoft.com/office/drawing/2014/main" id="{C4DC3A9C-1AC5-5343-ACF6-AFB45AB7A464}"/>
+                <a16:creationId xmlns:a16="http://schemas.microsoft.com/office/drawing/2014/main" xmlns="" id="{C4DC3A9C-1AC5-5343-ACF6-AFB45AB7A464}"/>
               </a:ext>
             </a:extLst>
           </p:cNvPr>
@@ -3801,7 +3801,7 @@
           <p:cNvPr id="340" name="Text Placeholder 25" hidden="1">
             <a:extLst>
               <a:ext uri="{FF2B5EF4-FFF2-40B4-BE49-F238E27FC236}">
-                <a16:creationId xmlns="" xmlns:a16="http://schemas.microsoft.com/office/drawing/2014/main" id="{6004AFFB-6BAF-924B-A5F2-CA7B7E10E574}"/>
+                <a16:creationId xmlns:a16="http://schemas.microsoft.com/office/drawing/2014/main" xmlns="" id="{6004AFFB-6BAF-924B-A5F2-CA7B7E10E574}"/>
               </a:ext>
             </a:extLst>
           </p:cNvPr>
@@ -3883,7 +3883,7 @@
           <p:cNvPr id="341" name="Text Placeholder 25" hidden="1">
             <a:extLst>
               <a:ext uri="{FF2B5EF4-FFF2-40B4-BE49-F238E27FC236}">
-                <a16:creationId xmlns="" xmlns:a16="http://schemas.microsoft.com/office/drawing/2014/main" id="{1E9B43B5-9A43-B448-95A4-FDD649321FCA}"/>
+                <a16:creationId xmlns:a16="http://schemas.microsoft.com/office/drawing/2014/main" xmlns="" id="{1E9B43B5-9A43-B448-95A4-FDD649321FCA}"/>
               </a:ext>
             </a:extLst>
           </p:cNvPr>
@@ -3965,7 +3965,7 @@
           <p:cNvPr id="342" name="Text Placeholder 25" hidden="1">
             <a:extLst>
               <a:ext uri="{FF2B5EF4-FFF2-40B4-BE49-F238E27FC236}">
-                <a16:creationId xmlns="" xmlns:a16="http://schemas.microsoft.com/office/drawing/2014/main" id="{1ACF054A-3D21-D642-B4C6-DB5BDAC19274}"/>
+                <a16:creationId xmlns:a16="http://schemas.microsoft.com/office/drawing/2014/main" xmlns="" id="{1ACF054A-3D21-D642-B4C6-DB5BDAC19274}"/>
               </a:ext>
             </a:extLst>
           </p:cNvPr>
@@ -4047,7 +4047,7 @@
           <p:cNvPr id="343" name="Text Placeholder 25" hidden="1">
             <a:extLst>
               <a:ext uri="{FF2B5EF4-FFF2-40B4-BE49-F238E27FC236}">
-                <a16:creationId xmlns="" xmlns:a16="http://schemas.microsoft.com/office/drawing/2014/main" id="{7C941C70-D057-D04B-BD74-348163471A70}"/>
+                <a16:creationId xmlns:a16="http://schemas.microsoft.com/office/drawing/2014/main" xmlns="" id="{7C941C70-D057-D04B-BD74-348163471A70}"/>
               </a:ext>
             </a:extLst>
           </p:cNvPr>
@@ -4129,7 +4129,7 @@
           <p:cNvPr id="344" name="Text Placeholder 25" hidden="1">
             <a:extLst>
               <a:ext uri="{FF2B5EF4-FFF2-40B4-BE49-F238E27FC236}">
-                <a16:creationId xmlns="" xmlns:a16="http://schemas.microsoft.com/office/drawing/2014/main" id="{CF61B5C1-8C61-1143-9083-AD58E1C749FA}"/>
+                <a16:creationId xmlns:a16="http://schemas.microsoft.com/office/drawing/2014/main" xmlns="" id="{CF61B5C1-8C61-1143-9083-AD58E1C749FA}"/>
               </a:ext>
             </a:extLst>
           </p:cNvPr>
@@ -4211,7 +4211,7 @@
           <p:cNvPr id="345" name="Text Placeholder 25" hidden="1">
             <a:extLst>
               <a:ext uri="{FF2B5EF4-FFF2-40B4-BE49-F238E27FC236}">
-                <a16:creationId xmlns="" xmlns:a16="http://schemas.microsoft.com/office/drawing/2014/main" id="{0B7D9C94-0A2C-3B4E-8B05-B7547A9A0E78}"/>
+                <a16:creationId xmlns:a16="http://schemas.microsoft.com/office/drawing/2014/main" xmlns="" id="{0B7D9C94-0A2C-3B4E-8B05-B7547A9A0E78}"/>
               </a:ext>
             </a:extLst>
           </p:cNvPr>
@@ -4293,7 +4293,7 @@
           <p:cNvPr id="346" name="Text Placeholder 25" hidden="1">
             <a:extLst>
               <a:ext uri="{FF2B5EF4-FFF2-40B4-BE49-F238E27FC236}">
-                <a16:creationId xmlns="" xmlns:a16="http://schemas.microsoft.com/office/drawing/2014/main" id="{CCE3AE9C-BC12-B743-BF3F-A8308EFB290C}"/>
+                <a16:creationId xmlns:a16="http://schemas.microsoft.com/office/drawing/2014/main" xmlns="" id="{CCE3AE9C-BC12-B743-BF3F-A8308EFB290C}"/>
               </a:ext>
             </a:extLst>
           </p:cNvPr>
@@ -4375,7 +4375,7 @@
           <p:cNvPr id="347" name="Text Placeholder 25" hidden="1">
             <a:extLst>
               <a:ext uri="{FF2B5EF4-FFF2-40B4-BE49-F238E27FC236}">
-                <a16:creationId xmlns="" xmlns:a16="http://schemas.microsoft.com/office/drawing/2014/main" id="{F1D2929D-A8D7-274A-A253-E4556D470E75}"/>
+                <a16:creationId xmlns:a16="http://schemas.microsoft.com/office/drawing/2014/main" xmlns="" id="{F1D2929D-A8D7-274A-A253-E4556D470E75}"/>
               </a:ext>
             </a:extLst>
           </p:cNvPr>
@@ -4457,7 +4457,7 @@
           <p:cNvPr id="348" name="Text Placeholder 25" hidden="1">
             <a:extLst>
               <a:ext uri="{FF2B5EF4-FFF2-40B4-BE49-F238E27FC236}">
-                <a16:creationId xmlns="" xmlns:a16="http://schemas.microsoft.com/office/drawing/2014/main" id="{E4C42072-2D54-8942-9963-4138F93D9F7A}"/>
+                <a16:creationId xmlns:a16="http://schemas.microsoft.com/office/drawing/2014/main" xmlns="" id="{E4C42072-2D54-8942-9963-4138F93D9F7A}"/>
               </a:ext>
             </a:extLst>
           </p:cNvPr>
@@ -4539,7 +4539,7 @@
           <p:cNvPr id="355" name="Straight Connector 354" hidden="1">
             <a:extLst>
               <a:ext uri="{FF2B5EF4-FFF2-40B4-BE49-F238E27FC236}">
-                <a16:creationId xmlns="" xmlns:a16="http://schemas.microsoft.com/office/drawing/2014/main" id="{DF98499B-F2A5-CA4E-943A-53F88D825970}"/>
+                <a16:creationId xmlns:a16="http://schemas.microsoft.com/office/drawing/2014/main" xmlns="" id="{DF98499B-F2A5-CA4E-943A-53F88D825970}"/>
               </a:ext>
             </a:extLst>
           </p:cNvPr>
@@ -4582,7 +4582,7 @@
           <p:cNvPr id="61" name="Text Placeholder 60" hidden="1">
             <a:extLst>
               <a:ext uri="{FF2B5EF4-FFF2-40B4-BE49-F238E27FC236}">
-                <a16:creationId xmlns="" xmlns:a16="http://schemas.microsoft.com/office/drawing/2014/main" id="{17521193-60AC-664A-A033-8AA4404C6AAF}"/>
+                <a16:creationId xmlns:a16="http://schemas.microsoft.com/office/drawing/2014/main" xmlns="" id="{17521193-60AC-664A-A033-8AA4404C6AAF}"/>
               </a:ext>
             </a:extLst>
           </p:cNvPr>
@@ -4659,7 +4659,7 @@
           <p:cNvPr id="359" name="Text Placeholder 60" hidden="1">
             <a:extLst>
               <a:ext uri="{FF2B5EF4-FFF2-40B4-BE49-F238E27FC236}">
-                <a16:creationId xmlns="" xmlns:a16="http://schemas.microsoft.com/office/drawing/2014/main" id="{412CE960-3495-1F42-80A3-840D05EC91C6}"/>
+                <a16:creationId xmlns:a16="http://schemas.microsoft.com/office/drawing/2014/main" xmlns="" id="{412CE960-3495-1F42-80A3-840D05EC91C6}"/>
               </a:ext>
             </a:extLst>
           </p:cNvPr>
@@ -4736,7 +4736,7 @@
           <p:cNvPr id="360" name="Text Placeholder 60" hidden="1">
             <a:extLst>
               <a:ext uri="{FF2B5EF4-FFF2-40B4-BE49-F238E27FC236}">
-                <a16:creationId xmlns="" xmlns:a16="http://schemas.microsoft.com/office/drawing/2014/main" id="{08F6B783-82B6-B242-AA40-D9F7AE3B8CEC}"/>
+                <a16:creationId xmlns:a16="http://schemas.microsoft.com/office/drawing/2014/main" xmlns="" id="{08F6B783-82B6-B242-AA40-D9F7AE3B8CEC}"/>
               </a:ext>
             </a:extLst>
           </p:cNvPr>
@@ -4820,7 +4820,7 @@
   </p:clrMapOvr>
   <p:extLst mod="1">
     <p:ext uri="{DCECCB84-F9BA-43D5-87BE-67443E8EF086}">
-      <p15:sldGuideLst xmlns="" xmlns:p15="http://schemas.microsoft.com/office/powerpoint/2012/main">
+      <p15:sldGuideLst xmlns:p15="http://schemas.microsoft.com/office/powerpoint/2012/main" xmlns="">
         <p15:guide id="1" orient="horz" pos="2880">
           <p15:clr>
             <a:srgbClr val="FBAE40"/>
@@ -4989,7 +4989,7 @@
           <a:p>
             <a:fld id="{612E597E-2F4F-2747-A9DF-6BACAD15E325}" type="datetimeFigureOut">
               <a:rPr lang="en-US" smtClean="0"/>
-              <a:t>6/14/2020</a:t>
+              <a:t>4/9/2021</a:t>
             </a:fld>
             <a:endParaRPr lang="en-US" dirty="0"/>
           </a:p>
@@ -5389,10 +5389,10 @@
           <p:cNvPr id="102" name="Straight Connector 101">
             <a:extLst>
               <a:ext uri="{FF2B5EF4-FFF2-40B4-BE49-F238E27FC236}">
-                <a16:creationId xmlns="" xmlns:a16="http://schemas.microsoft.com/office/drawing/2014/main" id="{3F8292AA-FB95-4641-944F-E949B85F62A9}"/>
+                <a16:creationId xmlns:a16="http://schemas.microsoft.com/office/drawing/2014/main" xmlns="" id="{3F8292AA-FB95-4641-944F-E949B85F62A9}"/>
               </a:ext>
               <a:ext uri="{C183D7F6-B498-43B3-948B-1728B52AA6E4}">
-                <adec:decorative xmlns="" xmlns:adec="http://schemas.microsoft.com/office/drawing/2017/decorative" val="1"/>
+                <adec:decorative xmlns:adec="http://schemas.microsoft.com/office/drawing/2017/decorative" xmlns="" val="1"/>
               </a:ext>
             </a:extLst>
           </p:cNvPr>
@@ -5435,10 +5435,10 @@
           <p:cNvPr id="103" name="Graphic 27" descr="Government building icon">
             <a:extLst>
               <a:ext uri="{FF2B5EF4-FFF2-40B4-BE49-F238E27FC236}">
-                <a16:creationId xmlns="" xmlns:a16="http://schemas.microsoft.com/office/drawing/2014/main" id="{56727F1B-2750-4BE9-96B8-D874BAFF9043}"/>
+                <a16:creationId xmlns:a16="http://schemas.microsoft.com/office/drawing/2014/main" xmlns="" id="{56727F1B-2750-4BE9-96B8-D874BAFF9043}"/>
               </a:ext>
               <a:ext uri="{C183D7F6-B498-43B3-948B-1728B52AA6E4}">
-                <adec:decorative xmlns="" xmlns:adec="http://schemas.microsoft.com/office/drawing/2017/decorative" val="0"/>
+                <adec:decorative xmlns:adec="http://schemas.microsoft.com/office/drawing/2017/decorative" xmlns="" val="0"/>
               </a:ext>
             </a:extLst>
           </p:cNvPr>
@@ -6365,10 +6365,10 @@
           <p:cNvPr id="104" name="Graphic 32" descr="light bulb icon">
             <a:extLst>
               <a:ext uri="{FF2B5EF4-FFF2-40B4-BE49-F238E27FC236}">
-                <a16:creationId xmlns="" xmlns:a16="http://schemas.microsoft.com/office/drawing/2014/main" id="{7E44DB78-44C4-4AD3-8E7C-D6CE758AF00E}"/>
+                <a16:creationId xmlns:a16="http://schemas.microsoft.com/office/drawing/2014/main" xmlns="" id="{7E44DB78-44C4-4AD3-8E7C-D6CE758AF00E}"/>
               </a:ext>
               <a:ext uri="{C183D7F6-B498-43B3-948B-1728B52AA6E4}">
-                <adec:decorative xmlns="" xmlns:adec="http://schemas.microsoft.com/office/drawing/2017/decorative" val="0"/>
+                <adec:decorative xmlns:adec="http://schemas.microsoft.com/office/drawing/2017/decorative" xmlns="" val="0"/>
               </a:ext>
             </a:extLst>
           </p:cNvPr>
@@ -6391,7 +6391,7 @@
             <p:cNvPr id="105" name="Freeform 34">
               <a:extLst>
                 <a:ext uri="{FF2B5EF4-FFF2-40B4-BE49-F238E27FC236}">
-                  <a16:creationId xmlns="" xmlns:a16="http://schemas.microsoft.com/office/drawing/2014/main" id="{F75AA9E7-BA62-494D-9646-E1E0453C9722}"/>
+                  <a16:creationId xmlns:a16="http://schemas.microsoft.com/office/drawing/2014/main" xmlns="" id="{F75AA9E7-BA62-494D-9646-E1E0453C9722}"/>
                 </a:ext>
               </a:extLst>
             </p:cNvPr>
@@ -6648,7 +6648,7 @@
             <p:cNvPr id="106" name="Freeform 35">
               <a:extLst>
                 <a:ext uri="{FF2B5EF4-FFF2-40B4-BE49-F238E27FC236}">
-                  <a16:creationId xmlns="" xmlns:a16="http://schemas.microsoft.com/office/drawing/2014/main" id="{AD21A536-9B51-4459-8537-3B13E3CE66D1}"/>
+                  <a16:creationId xmlns:a16="http://schemas.microsoft.com/office/drawing/2014/main" xmlns="" id="{AD21A536-9B51-4459-8537-3B13E3CE66D1}"/>
                 </a:ext>
               </a:extLst>
             </p:cNvPr>
@@ -6772,7 +6772,7 @@
             <p:cNvPr id="107" name="Freeform 36">
               <a:extLst>
                 <a:ext uri="{FF2B5EF4-FFF2-40B4-BE49-F238E27FC236}">
-                  <a16:creationId xmlns="" xmlns:a16="http://schemas.microsoft.com/office/drawing/2014/main" id="{24AF7F34-D3D3-44BB-BDA0-8B2304B77217}"/>
+                  <a16:creationId xmlns:a16="http://schemas.microsoft.com/office/drawing/2014/main" xmlns="" id="{24AF7F34-D3D3-44BB-BDA0-8B2304B77217}"/>
                 </a:ext>
               </a:extLst>
             </p:cNvPr>
@@ -6886,7 +6886,7 @@
             <p:cNvPr id="108" name="Freeform 37">
               <a:extLst>
                 <a:ext uri="{FF2B5EF4-FFF2-40B4-BE49-F238E27FC236}">
-                  <a16:creationId xmlns="" xmlns:a16="http://schemas.microsoft.com/office/drawing/2014/main" id="{03C4C9A8-1BD8-49E3-9798-B15899831580}"/>
+                  <a16:creationId xmlns:a16="http://schemas.microsoft.com/office/drawing/2014/main" xmlns="" id="{03C4C9A8-1BD8-49E3-9798-B15899831580}"/>
                 </a:ext>
               </a:extLst>
             </p:cNvPr>
@@ -7006,7 +7006,7 @@
             <p:cNvPr id="109" name="Freeform 38">
               <a:extLst>
                 <a:ext uri="{FF2B5EF4-FFF2-40B4-BE49-F238E27FC236}">
-                  <a16:creationId xmlns="" xmlns:a16="http://schemas.microsoft.com/office/drawing/2014/main" id="{E80644C3-69B3-4623-8B73-7A5E65807AC9}"/>
+                  <a16:creationId xmlns:a16="http://schemas.microsoft.com/office/drawing/2014/main" xmlns="" id="{E80644C3-69B3-4623-8B73-7A5E65807AC9}"/>
                 </a:ext>
               </a:extLst>
             </p:cNvPr>
@@ -7126,7 +7126,7 @@
             <p:cNvPr id="110" name="Freeform 39">
               <a:extLst>
                 <a:ext uri="{FF2B5EF4-FFF2-40B4-BE49-F238E27FC236}">
-                  <a16:creationId xmlns="" xmlns:a16="http://schemas.microsoft.com/office/drawing/2014/main" id="{BAA48B80-284F-4E30-8C2D-F5E145EC01B9}"/>
+                  <a16:creationId xmlns:a16="http://schemas.microsoft.com/office/drawing/2014/main" xmlns="" id="{BAA48B80-284F-4E30-8C2D-F5E145EC01B9}"/>
                 </a:ext>
               </a:extLst>
             </p:cNvPr>
@@ -7280,7 +7280,7 @@
             <p:cNvPr id="112" name="Freeform 40">
               <a:extLst>
                 <a:ext uri="{FF2B5EF4-FFF2-40B4-BE49-F238E27FC236}">
-                  <a16:creationId xmlns="" xmlns:a16="http://schemas.microsoft.com/office/drawing/2014/main" id="{141A2055-954D-4B7F-8E71-D755273998E6}"/>
+                  <a16:creationId xmlns:a16="http://schemas.microsoft.com/office/drawing/2014/main" xmlns="" id="{141A2055-954D-4B7F-8E71-D755273998E6}"/>
                 </a:ext>
               </a:extLst>
             </p:cNvPr>
@@ -7556,10 +7556,10 @@
           <p:cNvPr id="113" name="Straight Connector 112">
             <a:extLst>
               <a:ext uri="{FF2B5EF4-FFF2-40B4-BE49-F238E27FC236}">
-                <a16:creationId xmlns="" xmlns:a16="http://schemas.microsoft.com/office/drawing/2014/main" id="{5904A63C-68EB-4D94-AC13-8E81F7F8211B}"/>
+                <a16:creationId xmlns:a16="http://schemas.microsoft.com/office/drawing/2014/main" xmlns="" id="{5904A63C-68EB-4D94-AC13-8E81F7F8211B}"/>
               </a:ext>
               <a:ext uri="{C183D7F6-B498-43B3-948B-1728B52AA6E4}">
-                <adec:decorative xmlns="" xmlns:adec="http://schemas.microsoft.com/office/drawing/2017/decorative" val="1"/>
+                <adec:decorative xmlns:adec="http://schemas.microsoft.com/office/drawing/2017/decorative" xmlns="" val="1"/>
               </a:ext>
             </a:extLst>
           </p:cNvPr>
@@ -7602,10 +7602,10 @@
           <p:cNvPr id="114" name="Straight Connector 113">
             <a:extLst>
               <a:ext uri="{FF2B5EF4-FFF2-40B4-BE49-F238E27FC236}">
-                <a16:creationId xmlns="" xmlns:a16="http://schemas.microsoft.com/office/drawing/2014/main" id="{ABD56A74-3819-47CE-8737-C6E23389ABD4}"/>
+                <a16:creationId xmlns:a16="http://schemas.microsoft.com/office/drawing/2014/main" xmlns="" id="{ABD56A74-3819-47CE-8737-C6E23389ABD4}"/>
               </a:ext>
               <a:ext uri="{C183D7F6-B498-43B3-948B-1728B52AA6E4}">
-                <adec:decorative xmlns="" xmlns:adec="http://schemas.microsoft.com/office/drawing/2017/decorative" val="1"/>
+                <adec:decorative xmlns:adec="http://schemas.microsoft.com/office/drawing/2017/decorative" xmlns="" val="1"/>
               </a:ext>
             </a:extLst>
           </p:cNvPr>
@@ -7648,10 +7648,10 @@
           <p:cNvPr id="115" name="Graphic 130" descr="web icon">
             <a:extLst>
               <a:ext uri="{FF2B5EF4-FFF2-40B4-BE49-F238E27FC236}">
-                <a16:creationId xmlns="" xmlns:a16="http://schemas.microsoft.com/office/drawing/2014/main" id="{307C1F38-F611-44D9-8D5C-33FC1BD3A6CD}"/>
+                <a16:creationId xmlns:a16="http://schemas.microsoft.com/office/drawing/2014/main" xmlns="" id="{307C1F38-F611-44D9-8D5C-33FC1BD3A6CD}"/>
               </a:ext>
               <a:ext uri="{C183D7F6-B498-43B3-948B-1728B52AA6E4}">
-                <adec:decorative xmlns="" xmlns:adec="http://schemas.microsoft.com/office/drawing/2017/decorative" val="0"/>
+                <adec:decorative xmlns:adec="http://schemas.microsoft.com/office/drawing/2017/decorative" xmlns="" val="0"/>
               </a:ext>
             </a:extLst>
           </p:cNvPr>
@@ -8164,10 +8164,10 @@
           <p:cNvPr id="121" name="Graphic 133" descr="paper airplane icon">
             <a:extLst>
               <a:ext uri="{FF2B5EF4-FFF2-40B4-BE49-F238E27FC236}">
-                <a16:creationId xmlns="" xmlns:a16="http://schemas.microsoft.com/office/drawing/2014/main" id="{7B7F1B88-6AF5-4E98-A04A-CE6922600DD7}"/>
+                <a16:creationId xmlns:a16="http://schemas.microsoft.com/office/drawing/2014/main" xmlns="" id="{7B7F1B88-6AF5-4E98-A04A-CE6922600DD7}"/>
               </a:ext>
               <a:ext uri="{C183D7F6-B498-43B3-948B-1728B52AA6E4}">
-                <adec:decorative xmlns="" xmlns:adec="http://schemas.microsoft.com/office/drawing/2017/decorative" val="0"/>
+                <adec:decorative xmlns:adec="http://schemas.microsoft.com/office/drawing/2017/decorative" xmlns="" val="0"/>
               </a:ext>
             </a:extLst>
           </p:cNvPr>
@@ -8644,10 +8644,10 @@
           <p:cNvPr id="122" name="Graphic 136" descr="telephone icon">
             <a:extLst>
               <a:ext uri="{FF2B5EF4-FFF2-40B4-BE49-F238E27FC236}">
-                <a16:creationId xmlns="" xmlns:a16="http://schemas.microsoft.com/office/drawing/2014/main" id="{6BC18F1B-5B6E-4B7D-88A6-308756EDFBAF}"/>
+                <a16:creationId xmlns:a16="http://schemas.microsoft.com/office/drawing/2014/main" xmlns="" id="{6BC18F1B-5B6E-4B7D-88A6-308756EDFBAF}"/>
               </a:ext>
               <a:ext uri="{C183D7F6-B498-43B3-948B-1728B52AA6E4}">
-                <adec:decorative xmlns="" xmlns:adec="http://schemas.microsoft.com/office/drawing/2017/decorative" val="0"/>
+                <adec:decorative xmlns:adec="http://schemas.microsoft.com/office/drawing/2017/decorative" xmlns="" val="0"/>
               </a:ext>
             </a:extLst>
           </p:cNvPr>
@@ -8670,7 +8670,7 @@
             <p:cNvPr id="123" name="Freeform 138">
               <a:extLst>
                 <a:ext uri="{FF2B5EF4-FFF2-40B4-BE49-F238E27FC236}">
-                  <a16:creationId xmlns="" xmlns:a16="http://schemas.microsoft.com/office/drawing/2014/main" id="{8E708DF4-F17A-4BD7-876E-E36A396BECE5}"/>
+                  <a16:creationId xmlns:a16="http://schemas.microsoft.com/office/drawing/2014/main" xmlns="" id="{8E708DF4-F17A-4BD7-876E-E36A396BECE5}"/>
                 </a:ext>
               </a:extLst>
             </p:cNvPr>
@@ -9069,7 +9069,7 @@
             <p:cNvPr id="124" name="Freeform 139">
               <a:extLst>
                 <a:ext uri="{FF2B5EF4-FFF2-40B4-BE49-F238E27FC236}">
-                  <a16:creationId xmlns="" xmlns:a16="http://schemas.microsoft.com/office/drawing/2014/main" id="{677BE3E6-6F50-4EB0-A248-73395DF544FF}"/>
+                  <a16:creationId xmlns:a16="http://schemas.microsoft.com/office/drawing/2014/main" xmlns="" id="{677BE3E6-6F50-4EB0-A248-73395DF544FF}"/>
                 </a:ext>
               </a:extLst>
             </p:cNvPr>
@@ -9300,10 +9300,10 @@
           <p:cNvPr id="325" name="Straight Connector 324">
             <a:extLst>
               <a:ext uri="{FF2B5EF4-FFF2-40B4-BE49-F238E27FC236}">
-                <a16:creationId xmlns="" xmlns:a16="http://schemas.microsoft.com/office/drawing/2014/main" id="{20C8264B-90F6-488D-9A35-30668A01BA93}"/>
+                <a16:creationId xmlns:a16="http://schemas.microsoft.com/office/drawing/2014/main" xmlns="" id="{20C8264B-90F6-488D-9A35-30668A01BA93}"/>
               </a:ext>
               <a:ext uri="{C183D7F6-B498-43B3-948B-1728B52AA6E4}">
-                <adec:decorative xmlns="" xmlns:adec="http://schemas.microsoft.com/office/drawing/2017/decorative" val="1"/>
+                <adec:decorative xmlns:adec="http://schemas.microsoft.com/office/drawing/2017/decorative" xmlns="" val="1"/>
               </a:ext>
             </a:extLst>
           </p:cNvPr>
@@ -9346,10 +9346,10 @@
           <p:cNvPr id="326" name="Straight Connector 325">
             <a:extLst>
               <a:ext uri="{FF2B5EF4-FFF2-40B4-BE49-F238E27FC236}">
-                <a16:creationId xmlns="" xmlns:a16="http://schemas.microsoft.com/office/drawing/2014/main" id="{6068E215-0C3A-40AB-99A4-4979F9F8E013}"/>
+                <a16:creationId xmlns:a16="http://schemas.microsoft.com/office/drawing/2014/main" xmlns="" id="{6068E215-0C3A-40AB-99A4-4979F9F8E013}"/>
               </a:ext>
               <a:ext uri="{C183D7F6-B498-43B3-948B-1728B52AA6E4}">
-                <adec:decorative xmlns="" xmlns:adec="http://schemas.microsoft.com/office/drawing/2017/decorative" val="1"/>
+                <adec:decorative xmlns:adec="http://schemas.microsoft.com/office/drawing/2017/decorative" xmlns="" val="1"/>
               </a:ext>
             </a:extLst>
           </p:cNvPr>
@@ -9392,10 +9392,10 @@
           <p:cNvPr id="327" name="Rectangle 326">
             <a:extLst>
               <a:ext uri="{FF2B5EF4-FFF2-40B4-BE49-F238E27FC236}">
-                <a16:creationId xmlns="" xmlns:a16="http://schemas.microsoft.com/office/drawing/2014/main" id="{2AC2BFE3-172A-45B6-9A81-10EC76047F46}"/>
+                <a16:creationId xmlns:a16="http://schemas.microsoft.com/office/drawing/2014/main" xmlns="" id="{2AC2BFE3-172A-45B6-9A81-10EC76047F46}"/>
               </a:ext>
               <a:ext uri="{C183D7F6-B498-43B3-948B-1728B52AA6E4}">
-                <adec:decorative xmlns="" xmlns:adec="http://schemas.microsoft.com/office/drawing/2017/decorative" val="1"/>
+                <adec:decorative xmlns:adec="http://schemas.microsoft.com/office/drawing/2017/decorative" xmlns="" val="1"/>
               </a:ext>
             </a:extLst>
           </p:cNvPr>
@@ -9453,10 +9453,10 @@
           <p:cNvPr id="328" name="Rectangle 327">
             <a:extLst>
               <a:ext uri="{FF2B5EF4-FFF2-40B4-BE49-F238E27FC236}">
-                <a16:creationId xmlns="" xmlns:a16="http://schemas.microsoft.com/office/drawing/2014/main" id="{F198CBB5-A125-46D5-97AB-FF7B996BDF68}"/>
+                <a16:creationId xmlns:a16="http://schemas.microsoft.com/office/drawing/2014/main" xmlns="" id="{F198CBB5-A125-46D5-97AB-FF7B996BDF68}"/>
               </a:ext>
               <a:ext uri="{C183D7F6-B498-43B3-948B-1728B52AA6E4}">
-                <adec:decorative xmlns="" xmlns:adec="http://schemas.microsoft.com/office/drawing/2017/decorative" val="1"/>
+                <adec:decorative xmlns:adec="http://schemas.microsoft.com/office/drawing/2017/decorative" xmlns="" val="1"/>
               </a:ext>
             </a:extLst>
           </p:cNvPr>
@@ -9514,10 +9514,10 @@
           <p:cNvPr id="329" name="Rectangle 328">
             <a:extLst>
               <a:ext uri="{FF2B5EF4-FFF2-40B4-BE49-F238E27FC236}">
-                <a16:creationId xmlns="" xmlns:a16="http://schemas.microsoft.com/office/drawing/2014/main" id="{6AC350C1-71A3-4FE0-A6DF-A3A2A3EB8D8F}"/>
+                <a16:creationId xmlns:a16="http://schemas.microsoft.com/office/drawing/2014/main" xmlns="" id="{6AC350C1-71A3-4FE0-A6DF-A3A2A3EB8D8F}"/>
               </a:ext>
               <a:ext uri="{C183D7F6-B498-43B3-948B-1728B52AA6E4}">
-                <adec:decorative xmlns="" xmlns:adec="http://schemas.microsoft.com/office/drawing/2017/decorative" val="1"/>
+                <adec:decorative xmlns:adec="http://schemas.microsoft.com/office/drawing/2017/decorative" xmlns="" val="1"/>
               </a:ext>
             </a:extLst>
           </p:cNvPr>
@@ -9575,10 +9575,10 @@
           <p:cNvPr id="330" name="Straight Connector 329">
             <a:extLst>
               <a:ext uri="{FF2B5EF4-FFF2-40B4-BE49-F238E27FC236}">
-                <a16:creationId xmlns="" xmlns:a16="http://schemas.microsoft.com/office/drawing/2014/main" id="{CFFDC489-63F2-422D-BBE3-DA76E38B0937}"/>
+                <a16:creationId xmlns:a16="http://schemas.microsoft.com/office/drawing/2014/main" xmlns="" id="{CFFDC489-63F2-422D-BBE3-DA76E38B0937}"/>
               </a:ext>
               <a:ext uri="{C183D7F6-B498-43B3-948B-1728B52AA6E4}">
-                <adec:decorative xmlns="" xmlns:adec="http://schemas.microsoft.com/office/drawing/2017/decorative" val="1"/>
+                <adec:decorative xmlns:adec="http://schemas.microsoft.com/office/drawing/2017/decorative" xmlns="" val="1"/>
               </a:ext>
             </a:extLst>
           </p:cNvPr>
@@ -9621,10 +9621,10 @@
           <p:cNvPr id="331" name="Rectangle 330">
             <a:extLst>
               <a:ext uri="{FF2B5EF4-FFF2-40B4-BE49-F238E27FC236}">
-                <a16:creationId xmlns="" xmlns:a16="http://schemas.microsoft.com/office/drawing/2014/main" id="{1B04AD9A-BD7D-4D3E-8645-51BE756EC40E}"/>
+                <a16:creationId xmlns:a16="http://schemas.microsoft.com/office/drawing/2014/main" xmlns="" id="{1B04AD9A-BD7D-4D3E-8645-51BE756EC40E}"/>
               </a:ext>
               <a:ext uri="{C183D7F6-B498-43B3-948B-1728B52AA6E4}">
-                <adec:decorative xmlns="" xmlns:adec="http://schemas.microsoft.com/office/drawing/2017/decorative" val="1"/>
+                <adec:decorative xmlns:adec="http://schemas.microsoft.com/office/drawing/2017/decorative" xmlns="" val="1"/>
               </a:ext>
             </a:extLst>
           </p:cNvPr>
@@ -9682,10 +9682,10 @@
           <p:cNvPr id="332" name="Rectangle 331">
             <a:extLst>
               <a:ext uri="{FF2B5EF4-FFF2-40B4-BE49-F238E27FC236}">
-                <a16:creationId xmlns="" xmlns:a16="http://schemas.microsoft.com/office/drawing/2014/main" id="{6DDBFF25-874E-48BB-8577-66C935E93077}"/>
+                <a16:creationId xmlns:a16="http://schemas.microsoft.com/office/drawing/2014/main" xmlns="" id="{6DDBFF25-874E-48BB-8577-66C935E93077}"/>
               </a:ext>
               <a:ext uri="{C183D7F6-B498-43B3-948B-1728B52AA6E4}">
-                <adec:decorative xmlns="" xmlns:adec="http://schemas.microsoft.com/office/drawing/2017/decorative" val="1"/>
+                <adec:decorative xmlns:adec="http://schemas.microsoft.com/office/drawing/2017/decorative" xmlns="" val="1"/>
               </a:ext>
             </a:extLst>
           </p:cNvPr>
@@ -9743,10 +9743,10 @@
           <p:cNvPr id="333" name="Oval 332">
             <a:extLst>
               <a:ext uri="{FF2B5EF4-FFF2-40B4-BE49-F238E27FC236}">
-                <a16:creationId xmlns="" xmlns:a16="http://schemas.microsoft.com/office/drawing/2014/main" id="{7C02C40E-7048-4426-9838-E710F1794F66}"/>
+                <a16:creationId xmlns:a16="http://schemas.microsoft.com/office/drawing/2014/main" xmlns="" id="{7C02C40E-7048-4426-9838-E710F1794F66}"/>
               </a:ext>
               <a:ext uri="{C183D7F6-B498-43B3-948B-1728B52AA6E4}">
-                <adec:decorative xmlns="" xmlns:adec="http://schemas.microsoft.com/office/drawing/2017/decorative" val="1"/>
+                <adec:decorative xmlns:adec="http://schemas.microsoft.com/office/drawing/2017/decorative" xmlns="" val="1"/>
               </a:ext>
             </a:extLst>
           </p:cNvPr>
@@ -9802,10 +9802,10 @@
           <p:cNvPr id="334" name="Oval 333">
             <a:extLst>
               <a:ext uri="{FF2B5EF4-FFF2-40B4-BE49-F238E27FC236}">
-                <a16:creationId xmlns="" xmlns:a16="http://schemas.microsoft.com/office/drawing/2014/main" id="{5A4DE2A8-DFFE-4BFF-9B68-3C1686D52D30}"/>
+                <a16:creationId xmlns:a16="http://schemas.microsoft.com/office/drawing/2014/main" xmlns="" id="{5A4DE2A8-DFFE-4BFF-9B68-3C1686D52D30}"/>
               </a:ext>
               <a:ext uri="{C183D7F6-B498-43B3-948B-1728B52AA6E4}">
-                <adec:decorative xmlns="" xmlns:adec="http://schemas.microsoft.com/office/drawing/2017/decorative" val="1"/>
+                <adec:decorative xmlns:adec="http://schemas.microsoft.com/office/drawing/2017/decorative" xmlns="" val="1"/>
               </a:ext>
             </a:extLst>
           </p:cNvPr>
@@ -9861,10 +9861,10 @@
           <p:cNvPr id="335" name="Oval 334">
             <a:extLst>
               <a:ext uri="{FF2B5EF4-FFF2-40B4-BE49-F238E27FC236}">
-                <a16:creationId xmlns="" xmlns:a16="http://schemas.microsoft.com/office/drawing/2014/main" id="{A3F90B3D-E9FC-4470-A20D-E05300B42930}"/>
+                <a16:creationId xmlns:a16="http://schemas.microsoft.com/office/drawing/2014/main" xmlns="" id="{A3F90B3D-E9FC-4470-A20D-E05300B42930}"/>
               </a:ext>
               <a:ext uri="{C183D7F6-B498-43B3-948B-1728B52AA6E4}">
-                <adec:decorative xmlns="" xmlns:adec="http://schemas.microsoft.com/office/drawing/2017/decorative" val="1"/>
+                <adec:decorative xmlns:adec="http://schemas.microsoft.com/office/drawing/2017/decorative" xmlns="" val="1"/>
               </a:ext>
             </a:extLst>
           </p:cNvPr>
@@ -9920,10 +9920,10 @@
           <p:cNvPr id="336" name="Oval 335">
             <a:extLst>
               <a:ext uri="{FF2B5EF4-FFF2-40B4-BE49-F238E27FC236}">
-                <a16:creationId xmlns="" xmlns:a16="http://schemas.microsoft.com/office/drawing/2014/main" id="{66FDB959-5F5E-4E7C-BD4D-2F4DA4F0AAAA}"/>
+                <a16:creationId xmlns:a16="http://schemas.microsoft.com/office/drawing/2014/main" xmlns="" id="{66FDB959-5F5E-4E7C-BD4D-2F4DA4F0AAAA}"/>
               </a:ext>
               <a:ext uri="{C183D7F6-B498-43B3-948B-1728B52AA6E4}">
-                <adec:decorative xmlns="" xmlns:adec="http://schemas.microsoft.com/office/drawing/2017/decorative" val="1"/>
+                <adec:decorative xmlns:adec="http://schemas.microsoft.com/office/drawing/2017/decorative" xmlns="" val="1"/>
               </a:ext>
             </a:extLst>
           </p:cNvPr>
@@ -9979,10 +9979,10 @@
           <p:cNvPr id="337" name="Oval 336">
             <a:extLst>
               <a:ext uri="{FF2B5EF4-FFF2-40B4-BE49-F238E27FC236}">
-                <a16:creationId xmlns="" xmlns:a16="http://schemas.microsoft.com/office/drawing/2014/main" id="{3AB0D863-08C7-40D5-BD24-B44021A7365E}"/>
+                <a16:creationId xmlns:a16="http://schemas.microsoft.com/office/drawing/2014/main" xmlns="" id="{3AB0D863-08C7-40D5-BD24-B44021A7365E}"/>
               </a:ext>
               <a:ext uri="{C183D7F6-B498-43B3-948B-1728B52AA6E4}">
-                <adec:decorative xmlns="" xmlns:adec="http://schemas.microsoft.com/office/drawing/2017/decorative" val="1"/>
+                <adec:decorative xmlns:adec="http://schemas.microsoft.com/office/drawing/2017/decorative" xmlns="" val="1"/>
               </a:ext>
             </a:extLst>
           </p:cNvPr>
@@ -10038,10 +10038,10 @@
           <p:cNvPr id="338" name="Oval 337">
             <a:extLst>
               <a:ext uri="{FF2B5EF4-FFF2-40B4-BE49-F238E27FC236}">
-                <a16:creationId xmlns="" xmlns:a16="http://schemas.microsoft.com/office/drawing/2014/main" id="{837B117A-206E-4879-A9E7-4CC4EE7C87B5}"/>
+                <a16:creationId xmlns:a16="http://schemas.microsoft.com/office/drawing/2014/main" xmlns="" id="{837B117A-206E-4879-A9E7-4CC4EE7C87B5}"/>
               </a:ext>
               <a:ext uri="{C183D7F6-B498-43B3-948B-1728B52AA6E4}">
-                <adec:decorative xmlns="" xmlns:adec="http://schemas.microsoft.com/office/drawing/2017/decorative" val="1"/>
+                <adec:decorative xmlns:adec="http://schemas.microsoft.com/office/drawing/2017/decorative" xmlns="" val="1"/>
               </a:ext>
             </a:extLst>
           </p:cNvPr>
@@ -10097,10 +10097,10 @@
           <p:cNvPr id="339" name="Oval 338">
             <a:extLst>
               <a:ext uri="{FF2B5EF4-FFF2-40B4-BE49-F238E27FC236}">
-                <a16:creationId xmlns="" xmlns:a16="http://schemas.microsoft.com/office/drawing/2014/main" id="{FB71D391-B362-481A-BAB5-5ECD7AAEAA76}"/>
+                <a16:creationId xmlns:a16="http://schemas.microsoft.com/office/drawing/2014/main" xmlns="" id="{FB71D391-B362-481A-BAB5-5ECD7AAEAA76}"/>
               </a:ext>
               <a:ext uri="{C183D7F6-B498-43B3-948B-1728B52AA6E4}">
-                <adec:decorative xmlns="" xmlns:adec="http://schemas.microsoft.com/office/drawing/2017/decorative" val="1"/>
+                <adec:decorative xmlns:adec="http://schemas.microsoft.com/office/drawing/2017/decorative" xmlns="" val="1"/>
               </a:ext>
             </a:extLst>
           </p:cNvPr>
@@ -10156,10 +10156,10 @@
           <p:cNvPr id="340" name="Oval 339">
             <a:extLst>
               <a:ext uri="{FF2B5EF4-FFF2-40B4-BE49-F238E27FC236}">
-                <a16:creationId xmlns="" xmlns:a16="http://schemas.microsoft.com/office/drawing/2014/main" id="{BA56498E-0EE3-48C6-B3AE-32B86E27EA07}"/>
+                <a16:creationId xmlns:a16="http://schemas.microsoft.com/office/drawing/2014/main" xmlns="" id="{BA56498E-0EE3-48C6-B3AE-32B86E27EA07}"/>
               </a:ext>
               <a:ext uri="{C183D7F6-B498-43B3-948B-1728B52AA6E4}">
-                <adec:decorative xmlns="" xmlns:adec="http://schemas.microsoft.com/office/drawing/2017/decorative" val="1"/>
+                <adec:decorative xmlns:adec="http://schemas.microsoft.com/office/drawing/2017/decorative" xmlns="" val="1"/>
               </a:ext>
             </a:extLst>
           </p:cNvPr>
@@ -10215,10 +10215,10 @@
           <p:cNvPr id="341" name="Oval 340">
             <a:extLst>
               <a:ext uri="{FF2B5EF4-FFF2-40B4-BE49-F238E27FC236}">
-                <a16:creationId xmlns="" xmlns:a16="http://schemas.microsoft.com/office/drawing/2014/main" id="{71D97383-D29B-4474-B779-3406049AB654}"/>
+                <a16:creationId xmlns:a16="http://schemas.microsoft.com/office/drawing/2014/main" xmlns="" id="{71D97383-D29B-4474-B779-3406049AB654}"/>
               </a:ext>
               <a:ext uri="{C183D7F6-B498-43B3-948B-1728B52AA6E4}">
-                <adec:decorative xmlns="" xmlns:adec="http://schemas.microsoft.com/office/drawing/2017/decorative" val="1"/>
+                <adec:decorative xmlns:adec="http://schemas.microsoft.com/office/drawing/2017/decorative" xmlns="" val="1"/>
               </a:ext>
             </a:extLst>
           </p:cNvPr>
@@ -10274,10 +10274,10 @@
           <p:cNvPr id="342" name="Oval 341">
             <a:extLst>
               <a:ext uri="{FF2B5EF4-FFF2-40B4-BE49-F238E27FC236}">
-                <a16:creationId xmlns="" xmlns:a16="http://schemas.microsoft.com/office/drawing/2014/main" id="{8DED0FF6-1575-415B-869C-AF61926E8F1A}"/>
+                <a16:creationId xmlns:a16="http://schemas.microsoft.com/office/drawing/2014/main" xmlns="" id="{8DED0FF6-1575-415B-869C-AF61926E8F1A}"/>
               </a:ext>
               <a:ext uri="{C183D7F6-B498-43B3-948B-1728B52AA6E4}">
-                <adec:decorative xmlns="" xmlns:adec="http://schemas.microsoft.com/office/drawing/2017/decorative" val="1"/>
+                <adec:decorative xmlns:adec="http://schemas.microsoft.com/office/drawing/2017/decorative" xmlns="" val="1"/>
               </a:ext>
             </a:extLst>
           </p:cNvPr>
@@ -10333,10 +10333,10 @@
           <p:cNvPr id="343" name="Oval 342">
             <a:extLst>
               <a:ext uri="{FF2B5EF4-FFF2-40B4-BE49-F238E27FC236}">
-                <a16:creationId xmlns="" xmlns:a16="http://schemas.microsoft.com/office/drawing/2014/main" id="{FB595052-E25C-4CBC-BDB4-C3E38CBD593A}"/>
+                <a16:creationId xmlns:a16="http://schemas.microsoft.com/office/drawing/2014/main" xmlns="" id="{FB595052-E25C-4CBC-BDB4-C3E38CBD593A}"/>
               </a:ext>
               <a:ext uri="{C183D7F6-B498-43B3-948B-1728B52AA6E4}">
-                <adec:decorative xmlns="" xmlns:adec="http://schemas.microsoft.com/office/drawing/2017/decorative" val="1"/>
+                <adec:decorative xmlns:adec="http://schemas.microsoft.com/office/drawing/2017/decorative" xmlns="" val="1"/>
               </a:ext>
             </a:extLst>
           </p:cNvPr>
@@ -10392,10 +10392,10 @@
           <p:cNvPr id="344" name="Oval 343">
             <a:extLst>
               <a:ext uri="{FF2B5EF4-FFF2-40B4-BE49-F238E27FC236}">
-                <a16:creationId xmlns="" xmlns:a16="http://schemas.microsoft.com/office/drawing/2014/main" id="{739D7012-941B-4223-B8EE-58A045C12EF6}"/>
+                <a16:creationId xmlns:a16="http://schemas.microsoft.com/office/drawing/2014/main" xmlns="" id="{739D7012-941B-4223-B8EE-58A045C12EF6}"/>
               </a:ext>
               <a:ext uri="{C183D7F6-B498-43B3-948B-1728B52AA6E4}">
-                <adec:decorative xmlns="" xmlns:adec="http://schemas.microsoft.com/office/drawing/2017/decorative" val="1"/>
+                <adec:decorative xmlns:adec="http://schemas.microsoft.com/office/drawing/2017/decorative" xmlns="" val="1"/>
               </a:ext>
             </a:extLst>
           </p:cNvPr>
@@ -10451,10 +10451,10 @@
           <p:cNvPr id="345" name="Oval 344">
             <a:extLst>
               <a:ext uri="{FF2B5EF4-FFF2-40B4-BE49-F238E27FC236}">
-                <a16:creationId xmlns="" xmlns:a16="http://schemas.microsoft.com/office/drawing/2014/main" id="{A0FD52E1-D318-4377-97FD-AC40D1FEECAA}"/>
+                <a16:creationId xmlns:a16="http://schemas.microsoft.com/office/drawing/2014/main" xmlns="" id="{A0FD52E1-D318-4377-97FD-AC40D1FEECAA}"/>
               </a:ext>
               <a:ext uri="{C183D7F6-B498-43B3-948B-1728B52AA6E4}">
-                <adec:decorative xmlns="" xmlns:adec="http://schemas.microsoft.com/office/drawing/2017/decorative" val="1"/>
+                <adec:decorative xmlns:adec="http://schemas.microsoft.com/office/drawing/2017/decorative" xmlns="" val="1"/>
               </a:ext>
             </a:extLst>
           </p:cNvPr>
@@ -10510,10 +10510,10 @@
           <p:cNvPr id="346" name="Oval 345">
             <a:extLst>
               <a:ext uri="{FF2B5EF4-FFF2-40B4-BE49-F238E27FC236}">
-                <a16:creationId xmlns="" xmlns:a16="http://schemas.microsoft.com/office/drawing/2014/main" id="{907AC1CF-D232-4C22-BD8C-2F9991731607}"/>
+                <a16:creationId xmlns:a16="http://schemas.microsoft.com/office/drawing/2014/main" xmlns="" id="{907AC1CF-D232-4C22-BD8C-2F9991731607}"/>
               </a:ext>
               <a:ext uri="{C183D7F6-B498-43B3-948B-1728B52AA6E4}">
-                <adec:decorative xmlns="" xmlns:adec="http://schemas.microsoft.com/office/drawing/2017/decorative" val="1"/>
+                <adec:decorative xmlns:adec="http://schemas.microsoft.com/office/drawing/2017/decorative" xmlns="" val="1"/>
               </a:ext>
             </a:extLst>
           </p:cNvPr>
@@ -10569,10 +10569,10 @@
           <p:cNvPr id="347" name="Oval 346">
             <a:extLst>
               <a:ext uri="{FF2B5EF4-FFF2-40B4-BE49-F238E27FC236}">
-                <a16:creationId xmlns="" xmlns:a16="http://schemas.microsoft.com/office/drawing/2014/main" id="{480D7F6D-16EB-44E5-AB6A-5FF5B759EC97}"/>
+                <a16:creationId xmlns:a16="http://schemas.microsoft.com/office/drawing/2014/main" xmlns="" id="{480D7F6D-16EB-44E5-AB6A-5FF5B759EC97}"/>
               </a:ext>
               <a:ext uri="{C183D7F6-B498-43B3-948B-1728B52AA6E4}">
-                <adec:decorative xmlns="" xmlns:adec="http://schemas.microsoft.com/office/drawing/2017/decorative" val="1"/>
+                <adec:decorative xmlns:adec="http://schemas.microsoft.com/office/drawing/2017/decorative" xmlns="" val="1"/>
               </a:ext>
             </a:extLst>
           </p:cNvPr>
@@ -10628,10 +10628,10 @@
           <p:cNvPr id="348" name="Oval 347">
             <a:extLst>
               <a:ext uri="{FF2B5EF4-FFF2-40B4-BE49-F238E27FC236}">
-                <a16:creationId xmlns="" xmlns:a16="http://schemas.microsoft.com/office/drawing/2014/main" id="{AE57416F-8D58-47F8-8770-EF25BD07E1FA}"/>
+                <a16:creationId xmlns:a16="http://schemas.microsoft.com/office/drawing/2014/main" xmlns="" id="{AE57416F-8D58-47F8-8770-EF25BD07E1FA}"/>
               </a:ext>
               <a:ext uri="{C183D7F6-B498-43B3-948B-1728B52AA6E4}">
-                <adec:decorative xmlns="" xmlns:adec="http://schemas.microsoft.com/office/drawing/2017/decorative" val="1"/>
+                <adec:decorative xmlns:adec="http://schemas.microsoft.com/office/drawing/2017/decorative" xmlns="" val="1"/>
               </a:ext>
             </a:extLst>
           </p:cNvPr>
@@ -10687,10 +10687,10 @@
           <p:cNvPr id="349" name="Oval 348">
             <a:extLst>
               <a:ext uri="{FF2B5EF4-FFF2-40B4-BE49-F238E27FC236}">
-                <a16:creationId xmlns="" xmlns:a16="http://schemas.microsoft.com/office/drawing/2014/main" id="{8BAA9C95-C365-4776-9E92-D4CBDB3D3BBF}"/>
+                <a16:creationId xmlns:a16="http://schemas.microsoft.com/office/drawing/2014/main" xmlns="" id="{8BAA9C95-C365-4776-9E92-D4CBDB3D3BBF}"/>
               </a:ext>
               <a:ext uri="{C183D7F6-B498-43B3-948B-1728B52AA6E4}">
-                <adec:decorative xmlns="" xmlns:adec="http://schemas.microsoft.com/office/drawing/2017/decorative" val="1"/>
+                <adec:decorative xmlns:adec="http://schemas.microsoft.com/office/drawing/2017/decorative" xmlns="" val="1"/>
               </a:ext>
             </a:extLst>
           </p:cNvPr>
@@ -10746,10 +10746,10 @@
           <p:cNvPr id="350" name="Oval 349">
             <a:extLst>
               <a:ext uri="{FF2B5EF4-FFF2-40B4-BE49-F238E27FC236}">
-                <a16:creationId xmlns="" xmlns:a16="http://schemas.microsoft.com/office/drawing/2014/main" id="{91F2BD17-2ED5-4831-9501-E5D78BAB7A37}"/>
+                <a16:creationId xmlns:a16="http://schemas.microsoft.com/office/drawing/2014/main" xmlns="" id="{91F2BD17-2ED5-4831-9501-E5D78BAB7A37}"/>
               </a:ext>
               <a:ext uri="{C183D7F6-B498-43B3-948B-1728B52AA6E4}">
-                <adec:decorative xmlns="" xmlns:adec="http://schemas.microsoft.com/office/drawing/2017/decorative" val="1"/>
+                <adec:decorative xmlns:adec="http://schemas.microsoft.com/office/drawing/2017/decorative" xmlns="" val="1"/>
               </a:ext>
             </a:extLst>
           </p:cNvPr>
@@ -10805,10 +10805,10 @@
           <p:cNvPr id="351" name="Oval 350">
             <a:extLst>
               <a:ext uri="{FF2B5EF4-FFF2-40B4-BE49-F238E27FC236}">
-                <a16:creationId xmlns="" xmlns:a16="http://schemas.microsoft.com/office/drawing/2014/main" id="{25EFCDD2-C91E-49A9-8BA9-BB6F5220D770}"/>
+                <a16:creationId xmlns:a16="http://schemas.microsoft.com/office/drawing/2014/main" xmlns="" id="{25EFCDD2-C91E-49A9-8BA9-BB6F5220D770}"/>
               </a:ext>
               <a:ext uri="{C183D7F6-B498-43B3-948B-1728B52AA6E4}">
-                <adec:decorative xmlns="" xmlns:adec="http://schemas.microsoft.com/office/drawing/2017/decorative" val="1"/>
+                <adec:decorative xmlns:adec="http://schemas.microsoft.com/office/drawing/2017/decorative" xmlns="" val="1"/>
               </a:ext>
             </a:extLst>
           </p:cNvPr>
@@ -10864,10 +10864,10 @@
           <p:cNvPr id="352" name="Oval 351">
             <a:extLst>
               <a:ext uri="{FF2B5EF4-FFF2-40B4-BE49-F238E27FC236}">
-                <a16:creationId xmlns="" xmlns:a16="http://schemas.microsoft.com/office/drawing/2014/main" id="{09ED073A-BA9B-4BE0-A0C3-28D37FF5BDD6}"/>
+                <a16:creationId xmlns:a16="http://schemas.microsoft.com/office/drawing/2014/main" xmlns="" id="{09ED073A-BA9B-4BE0-A0C3-28D37FF5BDD6}"/>
               </a:ext>
               <a:ext uri="{C183D7F6-B498-43B3-948B-1728B52AA6E4}">
-                <adec:decorative xmlns="" xmlns:adec="http://schemas.microsoft.com/office/drawing/2017/decorative" val="1"/>
+                <adec:decorative xmlns:adec="http://schemas.microsoft.com/office/drawing/2017/decorative" xmlns="" val="1"/>
               </a:ext>
             </a:extLst>
           </p:cNvPr>
@@ -10923,10 +10923,10 @@
           <p:cNvPr id="353" name="Oval 352">
             <a:extLst>
               <a:ext uri="{FF2B5EF4-FFF2-40B4-BE49-F238E27FC236}">
-                <a16:creationId xmlns="" xmlns:a16="http://schemas.microsoft.com/office/drawing/2014/main" id="{88F8A272-0A54-45C2-98E5-E5BB86CE7C08}"/>
+                <a16:creationId xmlns:a16="http://schemas.microsoft.com/office/drawing/2014/main" xmlns="" id="{88F8A272-0A54-45C2-98E5-E5BB86CE7C08}"/>
               </a:ext>
               <a:ext uri="{C183D7F6-B498-43B3-948B-1728B52AA6E4}">
-                <adec:decorative xmlns="" xmlns:adec="http://schemas.microsoft.com/office/drawing/2017/decorative" val="1"/>
+                <adec:decorative xmlns:adec="http://schemas.microsoft.com/office/drawing/2017/decorative" xmlns="" val="1"/>
               </a:ext>
             </a:extLst>
           </p:cNvPr>
@@ -10982,10 +10982,10 @@
           <p:cNvPr id="157" name="Oval 156">
             <a:extLst>
               <a:ext uri="{FF2B5EF4-FFF2-40B4-BE49-F238E27FC236}">
-                <a16:creationId xmlns="" xmlns:a16="http://schemas.microsoft.com/office/drawing/2014/main" id="{4947AD35-A2D1-804A-B6D6-FA54D1F47317}"/>
+                <a16:creationId xmlns:a16="http://schemas.microsoft.com/office/drawing/2014/main" xmlns="" id="{4947AD35-A2D1-804A-B6D6-FA54D1F47317}"/>
               </a:ext>
               <a:ext uri="{C183D7F6-B498-43B3-948B-1728B52AA6E4}">
-                <adec:decorative xmlns="" xmlns:adec="http://schemas.microsoft.com/office/drawing/2017/decorative" val="1"/>
+                <adec:decorative xmlns:adec="http://schemas.microsoft.com/office/drawing/2017/decorative" xmlns="" val="1"/>
               </a:ext>
             </a:extLst>
           </p:cNvPr>
@@ -11048,7 +11048,7 @@
           <p:cNvPr id="43" name="Title 42">
             <a:extLst>
               <a:ext uri="{FF2B5EF4-FFF2-40B4-BE49-F238E27FC236}">
-                <a16:creationId xmlns="" xmlns:a16="http://schemas.microsoft.com/office/drawing/2014/main" id="{C67EB74C-8F2F-A044-84A9-F24E7442B2CD}"/>
+                <a16:creationId xmlns:a16="http://schemas.microsoft.com/office/drawing/2014/main" xmlns="" id="{C67EB74C-8F2F-A044-84A9-F24E7442B2CD}"/>
               </a:ext>
             </a:extLst>
           </p:cNvPr>
@@ -11077,7 +11077,7 @@
           <p:cNvPr id="6" name="Text Placeholder 5">
             <a:extLst>
               <a:ext uri="{FF2B5EF4-FFF2-40B4-BE49-F238E27FC236}">
-                <a16:creationId xmlns="" xmlns:a16="http://schemas.microsoft.com/office/drawing/2014/main" id="{D2EA7F60-6BA4-3F4B-91C2-5E533B193E54}"/>
+                <a16:creationId xmlns:a16="http://schemas.microsoft.com/office/drawing/2014/main" xmlns="" id="{D2EA7F60-6BA4-3F4B-91C2-5E533B193E54}"/>
               </a:ext>
             </a:extLst>
           </p:cNvPr>
@@ -11112,7 +11112,7 @@
           <p:cNvPr id="7" name="Text Placeholder 6">
             <a:extLst>
               <a:ext uri="{FF2B5EF4-FFF2-40B4-BE49-F238E27FC236}">
-                <a16:creationId xmlns="" xmlns:a16="http://schemas.microsoft.com/office/drawing/2014/main" id="{30D495E4-F93F-E946-8B74-75EE72903757}"/>
+                <a16:creationId xmlns:a16="http://schemas.microsoft.com/office/drawing/2014/main" xmlns="" id="{30D495E4-F93F-E946-8B74-75EE72903757}"/>
               </a:ext>
             </a:extLst>
           </p:cNvPr>
@@ -11148,7 +11148,7 @@
           <p:cNvPr id="8" name="Text Placeholder 7">
             <a:extLst>
               <a:ext uri="{FF2B5EF4-FFF2-40B4-BE49-F238E27FC236}">
-                <a16:creationId xmlns="" xmlns:a16="http://schemas.microsoft.com/office/drawing/2014/main" id="{CC02449D-9CD9-E243-BC7A-64094B69D54C}"/>
+                <a16:creationId xmlns:a16="http://schemas.microsoft.com/office/drawing/2014/main" xmlns="" id="{CC02449D-9CD9-E243-BC7A-64094B69D54C}"/>
               </a:ext>
             </a:extLst>
           </p:cNvPr>
@@ -11182,7 +11182,7 @@
           <p:cNvPr id="9" name="Text Placeholder 8">
             <a:extLst>
               <a:ext uri="{FF2B5EF4-FFF2-40B4-BE49-F238E27FC236}">
-                <a16:creationId xmlns="" xmlns:a16="http://schemas.microsoft.com/office/drawing/2014/main" id="{74D5D1D5-2C11-4E48-A6B2-3C879A01307C}"/>
+                <a16:creationId xmlns:a16="http://schemas.microsoft.com/office/drawing/2014/main" xmlns="" id="{74D5D1D5-2C11-4E48-A6B2-3C879A01307C}"/>
               </a:ext>
             </a:extLst>
           </p:cNvPr>
@@ -11216,7 +11216,7 @@
           <p:cNvPr id="10" name="Text Placeholder 9">
             <a:extLst>
               <a:ext uri="{FF2B5EF4-FFF2-40B4-BE49-F238E27FC236}">
-                <a16:creationId xmlns="" xmlns:a16="http://schemas.microsoft.com/office/drawing/2014/main" id="{00397AB6-3E9E-1849-A778-1C81BDCCDCDB}"/>
+                <a16:creationId xmlns:a16="http://schemas.microsoft.com/office/drawing/2014/main" xmlns="" id="{00397AB6-3E9E-1849-A778-1C81BDCCDCDB}"/>
               </a:ext>
             </a:extLst>
           </p:cNvPr>
@@ -11246,7 +11246,7 @@
           <p:cNvPr id="11" name="Text Placeholder 10">
             <a:extLst>
               <a:ext uri="{FF2B5EF4-FFF2-40B4-BE49-F238E27FC236}">
-                <a16:creationId xmlns="" xmlns:a16="http://schemas.microsoft.com/office/drawing/2014/main" id="{28A3001B-2E52-D94B-A01D-2B913386B64D}"/>
+                <a16:creationId xmlns:a16="http://schemas.microsoft.com/office/drawing/2014/main" xmlns="" id="{28A3001B-2E52-D94B-A01D-2B913386B64D}"/>
               </a:ext>
             </a:extLst>
           </p:cNvPr>
@@ -11269,7 +11269,7 @@
           <a:p>
             <a:r>
               <a:rPr lang="en-US" dirty="0" smtClean="0"/>
-              <a:t>3.62</a:t>
+              <a:t>3.66</a:t>
             </a:r>
             <a:endParaRPr lang="en-US" dirty="0"/>
           </a:p>
@@ -11280,7 +11280,7 @@
           <p:cNvPr id="38" name="Text Placeholder 37">
             <a:extLst>
               <a:ext uri="{FF2B5EF4-FFF2-40B4-BE49-F238E27FC236}">
-                <a16:creationId xmlns="" xmlns:a16="http://schemas.microsoft.com/office/drawing/2014/main" id="{8107B0D9-8EB1-4649-9A1C-970A6BC14188}"/>
+                <a16:creationId xmlns:a16="http://schemas.microsoft.com/office/drawing/2014/main" xmlns="" id="{8107B0D9-8EB1-4649-9A1C-970A6BC14188}"/>
               </a:ext>
             </a:extLst>
           </p:cNvPr>
@@ -11308,7 +11308,7 @@
           <p:cNvPr id="25" name="Text Placeholder 24">
             <a:extLst>
               <a:ext uri="{FF2B5EF4-FFF2-40B4-BE49-F238E27FC236}">
-                <a16:creationId xmlns="" xmlns:a16="http://schemas.microsoft.com/office/drawing/2014/main" id="{84C7E5E4-AAAD-A841-8A0C-BECC827BB437}"/>
+                <a16:creationId xmlns:a16="http://schemas.microsoft.com/office/drawing/2014/main" xmlns="" id="{84C7E5E4-AAAD-A841-8A0C-BECC827BB437}"/>
               </a:ext>
             </a:extLst>
           </p:cNvPr>
@@ -11360,7 +11360,7 @@
           <p:cNvPr id="26" name="Text Placeholder 25">
             <a:extLst>
               <a:ext uri="{FF2B5EF4-FFF2-40B4-BE49-F238E27FC236}">
-                <a16:creationId xmlns="" xmlns:a16="http://schemas.microsoft.com/office/drawing/2014/main" id="{8EE6933F-AC91-FC4B-921C-5EBCB59F9165}"/>
+                <a16:creationId xmlns:a16="http://schemas.microsoft.com/office/drawing/2014/main" xmlns="" id="{8EE6933F-AC91-FC4B-921C-5EBCB59F9165}"/>
               </a:ext>
             </a:extLst>
           </p:cNvPr>
@@ -11398,7 +11398,7 @@
           <p:cNvPr id="27" name="Text Placeholder 26">
             <a:extLst>
               <a:ext uri="{FF2B5EF4-FFF2-40B4-BE49-F238E27FC236}">
-                <a16:creationId xmlns="" xmlns:a16="http://schemas.microsoft.com/office/drawing/2014/main" id="{E6D02D8E-D2B5-7344-B5A7-74297A3824E8}"/>
+                <a16:creationId xmlns:a16="http://schemas.microsoft.com/office/drawing/2014/main" xmlns="" id="{E6D02D8E-D2B5-7344-B5A7-74297A3824E8}"/>
               </a:ext>
             </a:extLst>
           </p:cNvPr>
@@ -11446,7 +11446,7 @@
           <p:cNvPr id="28" name="Text Placeholder 27">
             <a:extLst>
               <a:ext uri="{FF2B5EF4-FFF2-40B4-BE49-F238E27FC236}">
-                <a16:creationId xmlns="" xmlns:a16="http://schemas.microsoft.com/office/drawing/2014/main" id="{2BD3721E-42CE-CF4A-8454-8814B6A75FE5}"/>
+                <a16:creationId xmlns:a16="http://schemas.microsoft.com/office/drawing/2014/main" xmlns="" id="{2BD3721E-42CE-CF4A-8454-8814B6A75FE5}"/>
               </a:ext>
             </a:extLst>
           </p:cNvPr>
@@ -11492,7 +11492,7 @@
           <p:cNvPr id="29" name="Text Placeholder 28">
             <a:extLst>
               <a:ext uri="{FF2B5EF4-FFF2-40B4-BE49-F238E27FC236}">
-                <a16:creationId xmlns="" xmlns:a16="http://schemas.microsoft.com/office/drawing/2014/main" id="{9DFD6DF8-CC9B-D745-ABB6-86E96E09B3E8}"/>
+                <a16:creationId xmlns:a16="http://schemas.microsoft.com/office/drawing/2014/main" xmlns="" id="{9DFD6DF8-CC9B-D745-ABB6-86E96E09B3E8}"/>
               </a:ext>
             </a:extLst>
           </p:cNvPr>
@@ -11525,7 +11525,7 @@
           <p:cNvPr id="30" name="Text Placeholder 29">
             <a:extLst>
               <a:ext uri="{FF2B5EF4-FFF2-40B4-BE49-F238E27FC236}">
-                <a16:creationId xmlns="" xmlns:a16="http://schemas.microsoft.com/office/drawing/2014/main" id="{F5C1FAED-BD61-1049-834C-52C8CC761F76}"/>
+                <a16:creationId xmlns:a16="http://schemas.microsoft.com/office/drawing/2014/main" xmlns="" id="{F5C1FAED-BD61-1049-834C-52C8CC761F76}"/>
               </a:ext>
             </a:extLst>
           </p:cNvPr>
@@ -11568,7 +11568,7 @@
           <p:cNvPr id="31" name="Text Placeholder 30">
             <a:extLst>
               <a:ext uri="{FF2B5EF4-FFF2-40B4-BE49-F238E27FC236}">
-                <a16:creationId xmlns="" xmlns:a16="http://schemas.microsoft.com/office/drawing/2014/main" id="{696A51A3-D704-A84A-8916-3E3AACC54A25}"/>
+                <a16:creationId xmlns:a16="http://schemas.microsoft.com/office/drawing/2014/main" xmlns="" id="{696A51A3-D704-A84A-8916-3E3AACC54A25}"/>
               </a:ext>
             </a:extLst>
           </p:cNvPr>
@@ -11611,7 +11611,7 @@
           <p:cNvPr id="32" name="Text Placeholder 31">
             <a:extLst>
               <a:ext uri="{FF2B5EF4-FFF2-40B4-BE49-F238E27FC236}">
-                <a16:creationId xmlns="" xmlns:a16="http://schemas.microsoft.com/office/drawing/2014/main" id="{CD14C384-0761-5E4F-BFF8-FB821771317D}"/>
+                <a16:creationId xmlns:a16="http://schemas.microsoft.com/office/drawing/2014/main" xmlns="" id="{CD14C384-0761-5E4F-BFF8-FB821771317D}"/>
               </a:ext>
             </a:extLst>
           </p:cNvPr>
@@ -11642,7 +11642,7 @@
           <p:cNvPr id="33" name="Text Placeholder 32">
             <a:extLst>
               <a:ext uri="{FF2B5EF4-FFF2-40B4-BE49-F238E27FC236}">
-                <a16:creationId xmlns="" xmlns:a16="http://schemas.microsoft.com/office/drawing/2014/main" id="{363A7E06-95AB-7D43-9DDF-E39E83B0A62E}"/>
+                <a16:creationId xmlns:a16="http://schemas.microsoft.com/office/drawing/2014/main" xmlns="" id="{363A7E06-95AB-7D43-9DDF-E39E83B0A62E}"/>
               </a:ext>
             </a:extLst>
           </p:cNvPr>
@@ -11673,7 +11673,7 @@
           <p:cNvPr id="5" name="Text Placeholder 4">
             <a:extLst>
               <a:ext uri="{FF2B5EF4-FFF2-40B4-BE49-F238E27FC236}">
-                <a16:creationId xmlns="" xmlns:a16="http://schemas.microsoft.com/office/drawing/2014/main" id="{4D473C33-D7BE-2249-8BD5-1AE1EEE6870F}"/>
+                <a16:creationId xmlns:a16="http://schemas.microsoft.com/office/drawing/2014/main" xmlns="" id="{4D473C33-D7BE-2249-8BD5-1AE1EEE6870F}"/>
               </a:ext>
             </a:extLst>
           </p:cNvPr>
@@ -11704,7 +11704,7 @@
           <p:cNvPr id="2" name="Text Placeholder 1">
             <a:extLst>
               <a:ext uri="{FF2B5EF4-FFF2-40B4-BE49-F238E27FC236}">
-                <a16:creationId xmlns="" xmlns:a16="http://schemas.microsoft.com/office/drawing/2014/main" id="{9D502F74-BAEB-AA42-89F1-75199D1990CF}"/>
+                <a16:creationId xmlns:a16="http://schemas.microsoft.com/office/drawing/2014/main" xmlns="" id="{9D502F74-BAEB-AA42-89F1-75199D1990CF}"/>
               </a:ext>
             </a:extLst>
           </p:cNvPr>
@@ -11751,7 +11751,7 @@
           <p:cNvPr id="84" name="Text Placeholder 83">
             <a:extLst>
               <a:ext uri="{FF2B5EF4-FFF2-40B4-BE49-F238E27FC236}">
-                <a16:creationId xmlns="" xmlns:a16="http://schemas.microsoft.com/office/drawing/2014/main" id="{556E9263-3496-E841-9D4B-6055600F3128}"/>
+                <a16:creationId xmlns:a16="http://schemas.microsoft.com/office/drawing/2014/main" xmlns="" id="{556E9263-3496-E841-9D4B-6055600F3128}"/>
               </a:ext>
             </a:extLst>
           </p:cNvPr>
@@ -11775,8 +11775,16 @@
           <a:lstStyle/>
           <a:p>
             <a:r>
+              <a:rPr lang="en-US" smtClean="0"/>
+              <a:t>PROJECT</a:t>
+            </a:r>
+            <a:r>
+              <a:rPr lang="en-US" smtClean="0"/>
+              <a:t> </a:t>
+            </a:r>
+            <a:r>
               <a:rPr lang="en-US" dirty="0" smtClean="0"/>
-              <a:t>TEAM MANAGEMENT</a:t>
+              <a:t>MANAGEMENT</a:t>
             </a:r>
             <a:endParaRPr lang="en-US" dirty="0"/>
           </a:p>
@@ -11787,7 +11795,7 @@
           <p:cNvPr id="111" name="Text Placeholder 110">
             <a:extLst>
               <a:ext uri="{FF2B5EF4-FFF2-40B4-BE49-F238E27FC236}">
-                <a16:creationId xmlns="" xmlns:a16="http://schemas.microsoft.com/office/drawing/2014/main" id="{BCF790FE-7FEB-0B4A-8AB7-35796549E63A}"/>
+                <a16:creationId xmlns:a16="http://schemas.microsoft.com/office/drawing/2014/main" xmlns="" id="{BCF790FE-7FEB-0B4A-8AB7-35796549E63A}"/>
               </a:ext>
             </a:extLst>
           </p:cNvPr>
@@ -11816,7 +11824,7 @@
           <p:cNvPr id="138" name="Text Placeholder 137">
             <a:extLst>
               <a:ext uri="{FF2B5EF4-FFF2-40B4-BE49-F238E27FC236}">
-                <a16:creationId xmlns="" xmlns:a16="http://schemas.microsoft.com/office/drawing/2014/main" id="{6506DB86-8114-1647-9924-6A49FC14D690}"/>
+                <a16:creationId xmlns:a16="http://schemas.microsoft.com/office/drawing/2014/main" xmlns="" id="{6506DB86-8114-1647-9924-6A49FC14D690}"/>
               </a:ext>
             </a:extLst>
           </p:cNvPr>
@@ -11845,7 +11853,7 @@
           <p:cNvPr id="139" name="Text Placeholder 138">
             <a:extLst>
               <a:ext uri="{FF2B5EF4-FFF2-40B4-BE49-F238E27FC236}">
-                <a16:creationId xmlns="" xmlns:a16="http://schemas.microsoft.com/office/drawing/2014/main" id="{A218C500-D80A-5945-815C-3A4BAB362015}"/>
+                <a16:creationId xmlns:a16="http://schemas.microsoft.com/office/drawing/2014/main" xmlns="" id="{A218C500-D80A-5945-815C-3A4BAB362015}"/>
               </a:ext>
             </a:extLst>
           </p:cNvPr>
@@ -11874,7 +11882,7 @@
           <p:cNvPr id="140" name="Text Placeholder 139">
             <a:extLst>
               <a:ext uri="{FF2B5EF4-FFF2-40B4-BE49-F238E27FC236}">
-                <a16:creationId xmlns="" xmlns:a16="http://schemas.microsoft.com/office/drawing/2014/main" id="{22E7B03B-C02C-E743-8EA5-CC31990EC3C9}"/>
+                <a16:creationId xmlns:a16="http://schemas.microsoft.com/office/drawing/2014/main" xmlns="" id="{22E7B03B-C02C-E743-8EA5-CC31990EC3C9}"/>
               </a:ext>
             </a:extLst>
           </p:cNvPr>
@@ -11903,7 +11911,7 @@
           <p:cNvPr id="141" name="Text Placeholder 140">
             <a:extLst>
               <a:ext uri="{FF2B5EF4-FFF2-40B4-BE49-F238E27FC236}">
-                <a16:creationId xmlns="" xmlns:a16="http://schemas.microsoft.com/office/drawing/2014/main" id="{18BB2D7C-9C01-AE4E-AA05-540996FB791E}"/>
+                <a16:creationId xmlns:a16="http://schemas.microsoft.com/office/drawing/2014/main" xmlns="" id="{18BB2D7C-9C01-AE4E-AA05-540996FB791E}"/>
               </a:ext>
             </a:extLst>
           </p:cNvPr>
@@ -11932,7 +11940,7 @@
           <p:cNvPr id="116" name="Text Placeholder 115">
             <a:extLst>
               <a:ext uri="{FF2B5EF4-FFF2-40B4-BE49-F238E27FC236}">
-                <a16:creationId xmlns="" xmlns:a16="http://schemas.microsoft.com/office/drawing/2014/main" id="{4233DFE1-397B-9D40-8F2D-A74BAA716937}"/>
+                <a16:creationId xmlns:a16="http://schemas.microsoft.com/office/drawing/2014/main" xmlns="" id="{4233DFE1-397B-9D40-8F2D-A74BAA716937}"/>
               </a:ext>
             </a:extLst>
           </p:cNvPr>
@@ -11961,7 +11969,7 @@
           <p:cNvPr id="117" name="Text Placeholder 116">
             <a:extLst>
               <a:ext uri="{FF2B5EF4-FFF2-40B4-BE49-F238E27FC236}">
-                <a16:creationId xmlns="" xmlns:a16="http://schemas.microsoft.com/office/drawing/2014/main" id="{D955D1EE-EFC7-0843-93AB-52CF2FE43CF2}"/>
+                <a16:creationId xmlns:a16="http://schemas.microsoft.com/office/drawing/2014/main" xmlns="" id="{D955D1EE-EFC7-0843-93AB-52CF2FE43CF2}"/>
               </a:ext>
             </a:extLst>
           </p:cNvPr>
@@ -11994,7 +12002,7 @@
           <p:cNvPr id="118" name="Text Placeholder 117">
             <a:extLst>
               <a:ext uri="{FF2B5EF4-FFF2-40B4-BE49-F238E27FC236}">
-                <a16:creationId xmlns="" xmlns:a16="http://schemas.microsoft.com/office/drawing/2014/main" id="{542487C0-67AC-0849-8B9F-130D56060EBA}"/>
+                <a16:creationId xmlns:a16="http://schemas.microsoft.com/office/drawing/2014/main" xmlns="" id="{542487C0-67AC-0849-8B9F-130D56060EBA}"/>
               </a:ext>
             </a:extLst>
           </p:cNvPr>
@@ -12027,7 +12035,7 @@
           <p:cNvPr id="119" name="Text Placeholder 118">
             <a:extLst>
               <a:ext uri="{FF2B5EF4-FFF2-40B4-BE49-F238E27FC236}">
-                <a16:creationId xmlns="" xmlns:a16="http://schemas.microsoft.com/office/drawing/2014/main" id="{EA98D879-DA49-2444-B6BC-531098AA8B63}"/>
+                <a16:creationId xmlns:a16="http://schemas.microsoft.com/office/drawing/2014/main" xmlns="" id="{EA98D879-DA49-2444-B6BC-531098AA8B63}"/>
               </a:ext>
             </a:extLst>
           </p:cNvPr>
@@ -12055,7 +12063,7 @@
           <p:cNvPr id="120" name="Text Placeholder 119">
             <a:extLst>
               <a:ext uri="{FF2B5EF4-FFF2-40B4-BE49-F238E27FC236}">
-                <a16:creationId xmlns="" xmlns:a16="http://schemas.microsoft.com/office/drawing/2014/main" id="{05BC12C5-98CA-634E-B120-78D814AFCADB}"/>
+                <a16:creationId xmlns:a16="http://schemas.microsoft.com/office/drawing/2014/main" xmlns="" id="{05BC12C5-98CA-634E-B120-78D814AFCADB}"/>
               </a:ext>
             </a:extLst>
           </p:cNvPr>
@@ -12083,7 +12091,7 @@
           <p:cNvPr id="142" name="Text Placeholder 141">
             <a:extLst>
               <a:ext uri="{FF2B5EF4-FFF2-40B4-BE49-F238E27FC236}">
-                <a16:creationId xmlns="" xmlns:a16="http://schemas.microsoft.com/office/drawing/2014/main" id="{3431D51B-3170-404D-AA78-24211C76C97D}"/>
+                <a16:creationId xmlns:a16="http://schemas.microsoft.com/office/drawing/2014/main" xmlns="" id="{3431D51B-3170-404D-AA78-24211C76C97D}"/>
               </a:ext>
             </a:extLst>
           </p:cNvPr>
@@ -12111,7 +12119,7 @@
           <p:cNvPr id="143" name="Text Placeholder 142">
             <a:extLst>
               <a:ext uri="{FF2B5EF4-FFF2-40B4-BE49-F238E27FC236}">
-                <a16:creationId xmlns="" xmlns:a16="http://schemas.microsoft.com/office/drawing/2014/main" id="{A1A4C043-2900-EC44-8ED3-151D6F6DD0F6}"/>
+                <a16:creationId xmlns:a16="http://schemas.microsoft.com/office/drawing/2014/main" xmlns="" id="{A1A4C043-2900-EC44-8ED3-151D6F6DD0F6}"/>
               </a:ext>
             </a:extLst>
           </p:cNvPr>
@@ -12139,7 +12147,7 @@
           <p:cNvPr id="144" name="Text Placeholder 143">
             <a:extLst>
               <a:ext uri="{FF2B5EF4-FFF2-40B4-BE49-F238E27FC236}">
-                <a16:creationId xmlns="" xmlns:a16="http://schemas.microsoft.com/office/drawing/2014/main" id="{16FCFE63-7201-CA4F-B364-467A817F7933}"/>
+                <a16:creationId xmlns:a16="http://schemas.microsoft.com/office/drawing/2014/main" xmlns="" id="{16FCFE63-7201-CA4F-B364-467A817F7933}"/>
               </a:ext>
             </a:extLst>
           </p:cNvPr>
@@ -12167,7 +12175,7 @@
           <p:cNvPr id="145" name="Text Placeholder 144">
             <a:extLst>
               <a:ext uri="{FF2B5EF4-FFF2-40B4-BE49-F238E27FC236}">
-                <a16:creationId xmlns="" xmlns:a16="http://schemas.microsoft.com/office/drawing/2014/main" id="{D1E64E37-6E15-024C-8FED-C14D81177DAD}"/>
+                <a16:creationId xmlns:a16="http://schemas.microsoft.com/office/drawing/2014/main" xmlns="" id="{D1E64E37-6E15-024C-8FED-C14D81177DAD}"/>
               </a:ext>
             </a:extLst>
           </p:cNvPr>
@@ -12195,7 +12203,7 @@
           <p:cNvPr id="146" name="Text Placeholder 145">
             <a:extLst>
               <a:ext uri="{FF2B5EF4-FFF2-40B4-BE49-F238E27FC236}">
-                <a16:creationId xmlns="" xmlns:a16="http://schemas.microsoft.com/office/drawing/2014/main" id="{A197986E-238A-E346-8797-0E67D27E2371}"/>
+                <a16:creationId xmlns:a16="http://schemas.microsoft.com/office/drawing/2014/main" xmlns="" id="{A197986E-238A-E346-8797-0E67D27E2371}"/>
               </a:ext>
             </a:extLst>
           </p:cNvPr>
@@ -12223,7 +12231,7 @@
           <p:cNvPr id="149" name="Text Placeholder 148">
             <a:extLst>
               <a:ext uri="{FF2B5EF4-FFF2-40B4-BE49-F238E27FC236}">
-                <a16:creationId xmlns="" xmlns:a16="http://schemas.microsoft.com/office/drawing/2014/main" id="{A7504683-E4D4-0D48-919D-A3FCB64E43CA}"/>
+                <a16:creationId xmlns:a16="http://schemas.microsoft.com/office/drawing/2014/main" xmlns="" id="{A7504683-E4D4-0D48-919D-A3FCB64E43CA}"/>
               </a:ext>
             </a:extLst>
           </p:cNvPr>
@@ -12259,7 +12267,7 @@
           <p:cNvPr id="148" name="Text Placeholder 147">
             <a:extLst>
               <a:ext uri="{FF2B5EF4-FFF2-40B4-BE49-F238E27FC236}">
-                <a16:creationId xmlns="" xmlns:a16="http://schemas.microsoft.com/office/drawing/2014/main" id="{737697CF-DAC5-BE40-8620-8AAF5D50500C}"/>
+                <a16:creationId xmlns:a16="http://schemas.microsoft.com/office/drawing/2014/main" xmlns="" id="{737697CF-DAC5-BE40-8620-8AAF5D50500C}"/>
               </a:ext>
             </a:extLst>
           </p:cNvPr>
@@ -12289,7 +12297,7 @@
           <p:cNvPr id="147" name="Text Placeholder 146">
             <a:extLst>
               <a:ext uri="{FF2B5EF4-FFF2-40B4-BE49-F238E27FC236}">
-                <a16:creationId xmlns="" xmlns:a16="http://schemas.microsoft.com/office/drawing/2014/main" id="{CDA1D8C4-E95C-CE45-8CB2-A04638B52EC6}"/>
+                <a16:creationId xmlns:a16="http://schemas.microsoft.com/office/drawing/2014/main" xmlns="" id="{CDA1D8C4-E95C-CE45-8CB2-A04638B52EC6}"/>
               </a:ext>
             </a:extLst>
           </p:cNvPr>
@@ -12320,10 +12328,10 @@
           <p:cNvPr id="50" name="Rectangle 49" descr="skills bar chart object">
             <a:extLst>
               <a:ext uri="{FF2B5EF4-FFF2-40B4-BE49-F238E27FC236}">
-                <a16:creationId xmlns="" xmlns:a16="http://schemas.microsoft.com/office/drawing/2014/main" id="{86265B8C-7225-5B49-8272-5550695B4283}"/>
+                <a16:creationId xmlns:a16="http://schemas.microsoft.com/office/drawing/2014/main" xmlns="" id="{86265B8C-7225-5B49-8272-5550695B4283}"/>
               </a:ext>
               <a:ext uri="{C183D7F6-B498-43B3-948B-1728B52AA6E4}">
-                <adec:decorative xmlns="" xmlns:adec="http://schemas.microsoft.com/office/drawing/2017/decorative" val="0"/>
+                <adec:decorative xmlns:adec="http://schemas.microsoft.com/office/drawing/2017/decorative" xmlns="" val="0"/>
               </a:ext>
             </a:extLst>
           </p:cNvPr>
@@ -12382,10 +12390,10 @@
           <p:cNvPr id="52" name="Rectangle 51" descr="skills bar chart object">
             <a:extLst>
               <a:ext uri="{FF2B5EF4-FFF2-40B4-BE49-F238E27FC236}">
-                <a16:creationId xmlns="" xmlns:a16="http://schemas.microsoft.com/office/drawing/2014/main" id="{7A124C2E-31F8-D049-937F-AC97C65A81A8}"/>
+                <a16:creationId xmlns:a16="http://schemas.microsoft.com/office/drawing/2014/main" xmlns="" id="{7A124C2E-31F8-D049-937F-AC97C65A81A8}"/>
               </a:ext>
               <a:ext uri="{C183D7F6-B498-43B3-948B-1728B52AA6E4}">
-                <adec:decorative xmlns="" xmlns:adec="http://schemas.microsoft.com/office/drawing/2017/decorative" val="0"/>
+                <adec:decorative xmlns:adec="http://schemas.microsoft.com/office/drawing/2017/decorative" xmlns="" val="0"/>
               </a:ext>
             </a:extLst>
           </p:cNvPr>
@@ -12444,10 +12452,10 @@
           <p:cNvPr id="54" name="Rectangle 53" descr="skills bar chart object">
             <a:extLst>
               <a:ext uri="{FF2B5EF4-FFF2-40B4-BE49-F238E27FC236}">
-                <a16:creationId xmlns="" xmlns:a16="http://schemas.microsoft.com/office/drawing/2014/main" id="{187FEC1D-A64B-B64D-87CB-C356EEC25251}"/>
+                <a16:creationId xmlns:a16="http://schemas.microsoft.com/office/drawing/2014/main" xmlns="" id="{187FEC1D-A64B-B64D-87CB-C356EEC25251}"/>
               </a:ext>
               <a:ext uri="{C183D7F6-B498-43B3-948B-1728B52AA6E4}">
-                <adec:decorative xmlns="" xmlns:adec="http://schemas.microsoft.com/office/drawing/2017/decorative" val="0"/>
+                <adec:decorative xmlns:adec="http://schemas.microsoft.com/office/drawing/2017/decorative" xmlns="" val="0"/>
               </a:ext>
             </a:extLst>
           </p:cNvPr>
@@ -12506,10 +12514,10 @@
           <p:cNvPr id="85" name="Rectangle 84" descr="skills bar chart object">
             <a:extLst>
               <a:ext uri="{FF2B5EF4-FFF2-40B4-BE49-F238E27FC236}">
-                <a16:creationId xmlns="" xmlns:a16="http://schemas.microsoft.com/office/drawing/2014/main" id="{71AF2A2B-6178-694C-A413-78AD7B7BEBBB}"/>
+                <a16:creationId xmlns:a16="http://schemas.microsoft.com/office/drawing/2014/main" xmlns="" id="{71AF2A2B-6178-694C-A413-78AD7B7BEBBB}"/>
               </a:ext>
               <a:ext uri="{C183D7F6-B498-43B3-948B-1728B52AA6E4}">
-                <adec:decorative xmlns="" xmlns:adec="http://schemas.microsoft.com/office/drawing/2017/decorative" val="0"/>
+                <adec:decorative xmlns:adec="http://schemas.microsoft.com/office/drawing/2017/decorative" xmlns="" val="0"/>
               </a:ext>
             </a:extLst>
           </p:cNvPr>
@@ -12568,10 +12576,10 @@
           <p:cNvPr id="86" name="Rectangle 85" descr="skills bar chart object">
             <a:extLst>
               <a:ext uri="{FF2B5EF4-FFF2-40B4-BE49-F238E27FC236}">
-                <a16:creationId xmlns="" xmlns:a16="http://schemas.microsoft.com/office/drawing/2014/main" id="{5D320E76-F219-E749-820E-A9A2D2EDC688}"/>
+                <a16:creationId xmlns:a16="http://schemas.microsoft.com/office/drawing/2014/main" xmlns="" id="{5D320E76-F219-E749-820E-A9A2D2EDC688}"/>
               </a:ext>
               <a:ext uri="{C183D7F6-B498-43B3-948B-1728B52AA6E4}">
-                <adec:decorative xmlns="" xmlns:adec="http://schemas.microsoft.com/office/drawing/2017/decorative" val="0"/>
+                <adec:decorative xmlns:adec="http://schemas.microsoft.com/office/drawing/2017/decorative" xmlns="" val="0"/>
               </a:ext>
             </a:extLst>
           </p:cNvPr>
@@ -12630,10 +12638,10 @@
           <p:cNvPr id="89" name="Oval 88">
             <a:extLst>
               <a:ext uri="{FF2B5EF4-FFF2-40B4-BE49-F238E27FC236}">
-                <a16:creationId xmlns="" xmlns:a16="http://schemas.microsoft.com/office/drawing/2014/main" id="{CD091EFB-3174-254F-8874-4422489C5D41}"/>
+                <a16:creationId xmlns:a16="http://schemas.microsoft.com/office/drawing/2014/main" xmlns="" id="{CD091EFB-3174-254F-8874-4422489C5D41}"/>
               </a:ext>
               <a:ext uri="{C183D7F6-B498-43B3-948B-1728B52AA6E4}">
-                <adec:decorative xmlns="" xmlns:adec="http://schemas.microsoft.com/office/drawing/2017/decorative" val="1"/>
+                <adec:decorative xmlns:adec="http://schemas.microsoft.com/office/drawing/2017/decorative" xmlns="" val="1"/>
               </a:ext>
             </a:extLst>
           </p:cNvPr>
@@ -12692,10 +12700,10 @@
           <p:cNvPr id="90" name="Oval 89">
             <a:extLst>
               <a:ext uri="{FF2B5EF4-FFF2-40B4-BE49-F238E27FC236}">
-                <a16:creationId xmlns="" xmlns:a16="http://schemas.microsoft.com/office/drawing/2014/main" id="{0E48D0F5-A89A-AF45-891A-CA7E15C21B40}"/>
+                <a16:creationId xmlns:a16="http://schemas.microsoft.com/office/drawing/2014/main" xmlns="" id="{0E48D0F5-A89A-AF45-891A-CA7E15C21B40}"/>
               </a:ext>
               <a:ext uri="{C183D7F6-B498-43B3-948B-1728B52AA6E4}">
-                <adec:decorative xmlns="" xmlns:adec="http://schemas.microsoft.com/office/drawing/2017/decorative" val="1"/>
+                <adec:decorative xmlns:adec="http://schemas.microsoft.com/office/drawing/2017/decorative" xmlns="" val="1"/>
               </a:ext>
             </a:extLst>
           </p:cNvPr>
@@ -12754,10 +12762,10 @@
           <p:cNvPr id="91" name="Oval 90">
             <a:extLst>
               <a:ext uri="{FF2B5EF4-FFF2-40B4-BE49-F238E27FC236}">
-                <a16:creationId xmlns="" xmlns:a16="http://schemas.microsoft.com/office/drawing/2014/main" id="{1F640FF8-2F09-F443-9EF8-1A530B848D05}"/>
+                <a16:creationId xmlns:a16="http://schemas.microsoft.com/office/drawing/2014/main" xmlns="" id="{1F640FF8-2F09-F443-9EF8-1A530B848D05}"/>
               </a:ext>
               <a:ext uri="{C183D7F6-B498-43B3-948B-1728B52AA6E4}">
-                <adec:decorative xmlns="" xmlns:adec="http://schemas.microsoft.com/office/drawing/2017/decorative" val="1"/>
+                <adec:decorative xmlns:adec="http://schemas.microsoft.com/office/drawing/2017/decorative" xmlns="" val="1"/>
               </a:ext>
             </a:extLst>
           </p:cNvPr>
@@ -12816,10 +12824,10 @@
           <p:cNvPr id="92" name="Oval 91">
             <a:extLst>
               <a:ext uri="{FF2B5EF4-FFF2-40B4-BE49-F238E27FC236}">
-                <a16:creationId xmlns="" xmlns:a16="http://schemas.microsoft.com/office/drawing/2014/main" id="{0BBB4864-A253-984B-ACC6-A7B6A7F804DF}"/>
+                <a16:creationId xmlns:a16="http://schemas.microsoft.com/office/drawing/2014/main" xmlns="" id="{0BBB4864-A253-984B-ACC6-A7B6A7F804DF}"/>
               </a:ext>
               <a:ext uri="{C183D7F6-B498-43B3-948B-1728B52AA6E4}">
-                <adec:decorative xmlns="" xmlns:adec="http://schemas.microsoft.com/office/drawing/2017/decorative" val="1"/>
+                <adec:decorative xmlns:adec="http://schemas.microsoft.com/office/drawing/2017/decorative" xmlns="" val="1"/>
               </a:ext>
             </a:extLst>
           </p:cNvPr>
@@ -12878,10 +12886,10 @@
           <p:cNvPr id="93" name="Oval 92">
             <a:extLst>
               <a:ext uri="{FF2B5EF4-FFF2-40B4-BE49-F238E27FC236}">
-                <a16:creationId xmlns="" xmlns:a16="http://schemas.microsoft.com/office/drawing/2014/main" id="{21E5CCEB-895D-A74D-9FAD-0F53E8AD44F5}"/>
+                <a16:creationId xmlns:a16="http://schemas.microsoft.com/office/drawing/2014/main" xmlns="" id="{21E5CCEB-895D-A74D-9FAD-0F53E8AD44F5}"/>
               </a:ext>
               <a:ext uri="{C183D7F6-B498-43B3-948B-1728B52AA6E4}">
-                <adec:decorative xmlns="" xmlns:adec="http://schemas.microsoft.com/office/drawing/2017/decorative" val="1"/>
+                <adec:decorative xmlns:adec="http://schemas.microsoft.com/office/drawing/2017/decorative" xmlns="" val="1"/>
               </a:ext>
             </a:extLst>
           </p:cNvPr>
@@ -12940,10 +12948,10 @@
           <p:cNvPr id="94" name="Oval 93">
             <a:extLst>
               <a:ext uri="{FF2B5EF4-FFF2-40B4-BE49-F238E27FC236}">
-                <a16:creationId xmlns="" xmlns:a16="http://schemas.microsoft.com/office/drawing/2014/main" id="{A7748D91-484B-2841-9F12-79E26271F25C}"/>
+                <a16:creationId xmlns:a16="http://schemas.microsoft.com/office/drawing/2014/main" xmlns="" id="{A7748D91-484B-2841-9F12-79E26271F25C}"/>
               </a:ext>
               <a:ext uri="{C183D7F6-B498-43B3-948B-1728B52AA6E4}">
-                <adec:decorative xmlns="" xmlns:adec="http://schemas.microsoft.com/office/drawing/2017/decorative" val="1"/>
+                <adec:decorative xmlns:adec="http://schemas.microsoft.com/office/drawing/2017/decorative" xmlns="" val="1"/>
               </a:ext>
             </a:extLst>
           </p:cNvPr>
@@ -13002,10 +13010,10 @@
           <p:cNvPr id="95" name="Oval 94">
             <a:extLst>
               <a:ext uri="{FF2B5EF4-FFF2-40B4-BE49-F238E27FC236}">
-                <a16:creationId xmlns="" xmlns:a16="http://schemas.microsoft.com/office/drawing/2014/main" id="{0802EA00-DE39-6646-819D-8DAD6BD3C230}"/>
+                <a16:creationId xmlns:a16="http://schemas.microsoft.com/office/drawing/2014/main" xmlns="" id="{0802EA00-DE39-6646-819D-8DAD6BD3C230}"/>
               </a:ext>
               <a:ext uri="{C183D7F6-B498-43B3-948B-1728B52AA6E4}">
-                <adec:decorative xmlns="" xmlns:adec="http://schemas.microsoft.com/office/drawing/2017/decorative" val="1"/>
+                <adec:decorative xmlns:adec="http://schemas.microsoft.com/office/drawing/2017/decorative" xmlns="" val="1"/>
               </a:ext>
             </a:extLst>
           </p:cNvPr>
@@ -13064,10 +13072,10 @@
           <p:cNvPr id="96" name="Oval 95">
             <a:extLst>
               <a:ext uri="{FF2B5EF4-FFF2-40B4-BE49-F238E27FC236}">
-                <a16:creationId xmlns="" xmlns:a16="http://schemas.microsoft.com/office/drawing/2014/main" id="{E2CFFE67-84B5-1744-AC13-0F98EDA1875C}"/>
+                <a16:creationId xmlns:a16="http://schemas.microsoft.com/office/drawing/2014/main" xmlns="" id="{E2CFFE67-84B5-1744-AC13-0F98EDA1875C}"/>
               </a:ext>
               <a:ext uri="{C183D7F6-B498-43B3-948B-1728B52AA6E4}">
-                <adec:decorative xmlns="" xmlns:adec="http://schemas.microsoft.com/office/drawing/2017/decorative" val="1"/>
+                <adec:decorative xmlns:adec="http://schemas.microsoft.com/office/drawing/2017/decorative" xmlns="" val="1"/>
               </a:ext>
             </a:extLst>
           </p:cNvPr>
@@ -13126,10 +13134,10 @@
           <p:cNvPr id="99" name="Oval 98">
             <a:extLst>
               <a:ext uri="{FF2B5EF4-FFF2-40B4-BE49-F238E27FC236}">
-                <a16:creationId xmlns="" xmlns:a16="http://schemas.microsoft.com/office/drawing/2014/main" id="{05725725-5555-264C-9036-8E4744CB6F53}"/>
+                <a16:creationId xmlns:a16="http://schemas.microsoft.com/office/drawing/2014/main" xmlns="" id="{05725725-5555-264C-9036-8E4744CB6F53}"/>
               </a:ext>
               <a:ext uri="{C183D7F6-B498-43B3-948B-1728B52AA6E4}">
-                <adec:decorative xmlns="" xmlns:adec="http://schemas.microsoft.com/office/drawing/2017/decorative" val="1"/>
+                <adec:decorative xmlns:adec="http://schemas.microsoft.com/office/drawing/2017/decorative" xmlns="" val="1"/>
               </a:ext>
             </a:extLst>
           </p:cNvPr>
@@ -13188,10 +13196,10 @@
           <p:cNvPr id="100" name="Oval 99">
             <a:extLst>
               <a:ext uri="{FF2B5EF4-FFF2-40B4-BE49-F238E27FC236}">
-                <a16:creationId xmlns="" xmlns:a16="http://schemas.microsoft.com/office/drawing/2014/main" id="{AD5150E1-EA8A-6D42-A23B-A79504BF5AD5}"/>
+                <a16:creationId xmlns:a16="http://schemas.microsoft.com/office/drawing/2014/main" xmlns="" id="{AD5150E1-EA8A-6D42-A23B-A79504BF5AD5}"/>
               </a:ext>
               <a:ext uri="{C183D7F6-B498-43B3-948B-1728B52AA6E4}">
-                <adec:decorative xmlns="" xmlns:adec="http://schemas.microsoft.com/office/drawing/2017/decorative" val="1"/>
+                <adec:decorative xmlns:adec="http://schemas.microsoft.com/office/drawing/2017/decorative" xmlns="" val="1"/>
               </a:ext>
             </a:extLst>
           </p:cNvPr>
@@ -13250,10 +13258,10 @@
           <p:cNvPr id="125" name="Oval 124">
             <a:extLst>
               <a:ext uri="{FF2B5EF4-FFF2-40B4-BE49-F238E27FC236}">
-                <a16:creationId xmlns="" xmlns:a16="http://schemas.microsoft.com/office/drawing/2014/main" id="{8A7DE4BB-244F-6B49-9727-5BAD74EA46DC}"/>
+                <a16:creationId xmlns:a16="http://schemas.microsoft.com/office/drawing/2014/main" xmlns="" id="{8A7DE4BB-244F-6B49-9727-5BAD74EA46DC}"/>
               </a:ext>
               <a:ext uri="{C183D7F6-B498-43B3-948B-1728B52AA6E4}">
-                <adec:decorative xmlns="" xmlns:adec="http://schemas.microsoft.com/office/drawing/2017/decorative" val="1"/>
+                <adec:decorative xmlns:adec="http://schemas.microsoft.com/office/drawing/2017/decorative" xmlns="" val="1"/>
               </a:ext>
             </a:extLst>
           </p:cNvPr>
@@ -13305,10 +13313,10 @@
           <p:cNvPr id="126" name="Oval 125">
             <a:extLst>
               <a:ext uri="{FF2B5EF4-FFF2-40B4-BE49-F238E27FC236}">
-                <a16:creationId xmlns="" xmlns:a16="http://schemas.microsoft.com/office/drawing/2014/main" id="{86F5B1B6-C812-7540-BCB9-271539B931EB}"/>
+                <a16:creationId xmlns:a16="http://schemas.microsoft.com/office/drawing/2014/main" xmlns="" id="{86F5B1B6-C812-7540-BCB9-271539B931EB}"/>
               </a:ext>
               <a:ext uri="{C183D7F6-B498-43B3-948B-1728B52AA6E4}">
-                <adec:decorative xmlns="" xmlns:adec="http://schemas.microsoft.com/office/drawing/2017/decorative" val="1"/>
+                <adec:decorative xmlns:adec="http://schemas.microsoft.com/office/drawing/2017/decorative" xmlns="" val="1"/>
               </a:ext>
             </a:extLst>
           </p:cNvPr>
@@ -13360,10 +13368,10 @@
           <p:cNvPr id="127" name="Oval 126">
             <a:extLst>
               <a:ext uri="{FF2B5EF4-FFF2-40B4-BE49-F238E27FC236}">
-                <a16:creationId xmlns="" xmlns:a16="http://schemas.microsoft.com/office/drawing/2014/main" id="{5460C3D1-676E-3E4D-95DB-F5F6D3D889F9}"/>
+                <a16:creationId xmlns:a16="http://schemas.microsoft.com/office/drawing/2014/main" xmlns="" id="{5460C3D1-676E-3E4D-95DB-F5F6D3D889F9}"/>
               </a:ext>
               <a:ext uri="{C183D7F6-B498-43B3-948B-1728B52AA6E4}">
-                <adec:decorative xmlns="" xmlns:adec="http://schemas.microsoft.com/office/drawing/2017/decorative" val="1"/>
+                <adec:decorative xmlns:adec="http://schemas.microsoft.com/office/drawing/2017/decorative" xmlns="" val="1"/>
               </a:ext>
             </a:extLst>
           </p:cNvPr>
@@ -13415,10 +13423,10 @@
           <p:cNvPr id="128" name="Oval 127">
             <a:extLst>
               <a:ext uri="{FF2B5EF4-FFF2-40B4-BE49-F238E27FC236}">
-                <a16:creationId xmlns="" xmlns:a16="http://schemas.microsoft.com/office/drawing/2014/main" id="{2ED2FB73-5322-564C-B2F5-9335A0646A1A}"/>
+                <a16:creationId xmlns:a16="http://schemas.microsoft.com/office/drawing/2014/main" xmlns="" id="{2ED2FB73-5322-564C-B2F5-9335A0646A1A}"/>
               </a:ext>
               <a:ext uri="{C183D7F6-B498-43B3-948B-1728B52AA6E4}">
-                <adec:decorative xmlns="" xmlns:adec="http://schemas.microsoft.com/office/drawing/2017/decorative" val="1"/>
+                <adec:decorative xmlns:adec="http://schemas.microsoft.com/office/drawing/2017/decorative" xmlns="" val="1"/>
               </a:ext>
             </a:extLst>
           </p:cNvPr>
@@ -13470,10 +13478,10 @@
           <p:cNvPr id="132" name="Straight Arrow Connector 131">
             <a:extLst>
               <a:ext uri="{FF2B5EF4-FFF2-40B4-BE49-F238E27FC236}">
-                <a16:creationId xmlns="" xmlns:a16="http://schemas.microsoft.com/office/drawing/2014/main" id="{1A6D5824-1247-904A-978C-E3901FF49E63}"/>
+                <a16:creationId xmlns:a16="http://schemas.microsoft.com/office/drawing/2014/main" xmlns="" id="{1A6D5824-1247-904A-978C-E3901FF49E63}"/>
               </a:ext>
               <a:ext uri="{C183D7F6-B498-43B3-948B-1728B52AA6E4}">
-                <adec:decorative xmlns="" xmlns:adec="http://schemas.microsoft.com/office/drawing/2017/decorative" val="1"/>
+                <adec:decorative xmlns:adec="http://schemas.microsoft.com/office/drawing/2017/decorative" xmlns="" val="1"/>
               </a:ext>
             </a:extLst>
           </p:cNvPr>
@@ -13517,10 +13525,10 @@
           <p:cNvPr id="134" name="Straight Arrow Connector 133">
             <a:extLst>
               <a:ext uri="{FF2B5EF4-FFF2-40B4-BE49-F238E27FC236}">
-                <a16:creationId xmlns="" xmlns:a16="http://schemas.microsoft.com/office/drawing/2014/main" id="{08DF0C07-C343-A74B-A633-EF26C544E0A8}"/>
+                <a16:creationId xmlns:a16="http://schemas.microsoft.com/office/drawing/2014/main" xmlns="" id="{08DF0C07-C343-A74B-A633-EF26C544E0A8}"/>
               </a:ext>
               <a:ext uri="{C183D7F6-B498-43B3-948B-1728B52AA6E4}">
-                <adec:decorative xmlns="" xmlns:adec="http://schemas.microsoft.com/office/drawing/2017/decorative" val="1"/>
+                <adec:decorative xmlns:adec="http://schemas.microsoft.com/office/drawing/2017/decorative" xmlns="" val="1"/>
               </a:ext>
             </a:extLst>
           </p:cNvPr>
@@ -13564,10 +13572,10 @@
           <p:cNvPr id="135" name="Straight Arrow Connector 134">
             <a:extLst>
               <a:ext uri="{FF2B5EF4-FFF2-40B4-BE49-F238E27FC236}">
-                <a16:creationId xmlns="" xmlns:a16="http://schemas.microsoft.com/office/drawing/2014/main" id="{80D6FA17-ADEA-444A-811E-1FC72DA42964}"/>
+                <a16:creationId xmlns:a16="http://schemas.microsoft.com/office/drawing/2014/main" xmlns="" id="{80D6FA17-ADEA-444A-811E-1FC72DA42964}"/>
               </a:ext>
               <a:ext uri="{C183D7F6-B498-43B3-948B-1728B52AA6E4}">
-                <adec:decorative xmlns="" xmlns:adec="http://schemas.microsoft.com/office/drawing/2017/decorative" val="1"/>
+                <adec:decorative xmlns:adec="http://schemas.microsoft.com/office/drawing/2017/decorative" xmlns="" val="1"/>
               </a:ext>
             </a:extLst>
           </p:cNvPr>
@@ -13611,10 +13619,10 @@
           <p:cNvPr id="136" name="Straight Arrow Connector 135">
             <a:extLst>
               <a:ext uri="{FF2B5EF4-FFF2-40B4-BE49-F238E27FC236}">
-                <a16:creationId xmlns="" xmlns:a16="http://schemas.microsoft.com/office/drawing/2014/main" id="{537DB787-45FC-6C42-8904-35531D3160EB}"/>
+                <a16:creationId xmlns:a16="http://schemas.microsoft.com/office/drawing/2014/main" xmlns="" id="{537DB787-45FC-6C42-8904-35531D3160EB}"/>
               </a:ext>
               <a:ext uri="{C183D7F6-B498-43B3-948B-1728B52AA6E4}">
-                <adec:decorative xmlns="" xmlns:adec="http://schemas.microsoft.com/office/drawing/2017/decorative" val="1"/>
+                <adec:decorative xmlns:adec="http://schemas.microsoft.com/office/drawing/2017/decorative" xmlns="" val="1"/>
               </a:ext>
             </a:extLst>
           </p:cNvPr>
@@ -13658,10 +13666,10 @@
           <p:cNvPr id="152" name="Straight Arrow Connector 151">
             <a:extLst>
               <a:ext uri="{FF2B5EF4-FFF2-40B4-BE49-F238E27FC236}">
-                <a16:creationId xmlns="" xmlns:a16="http://schemas.microsoft.com/office/drawing/2014/main" id="{4FE93959-4A6A-4B48-B3E2-6468FDE1ED2B}"/>
+                <a16:creationId xmlns:a16="http://schemas.microsoft.com/office/drawing/2014/main" xmlns="" id="{4FE93959-4A6A-4B48-B3E2-6468FDE1ED2B}"/>
               </a:ext>
               <a:ext uri="{C183D7F6-B498-43B3-948B-1728B52AA6E4}">
-                <adec:decorative xmlns="" xmlns:adec="http://schemas.microsoft.com/office/drawing/2017/decorative" val="1"/>
+                <adec:decorative xmlns:adec="http://schemas.microsoft.com/office/drawing/2017/decorative" xmlns="" val="1"/>
               </a:ext>
             </a:extLst>
           </p:cNvPr>
@@ -13705,10 +13713,10 @@
           <p:cNvPr id="154" name="Straight Arrow Connector 153">
             <a:extLst>
               <a:ext uri="{FF2B5EF4-FFF2-40B4-BE49-F238E27FC236}">
-                <a16:creationId xmlns="" xmlns:a16="http://schemas.microsoft.com/office/drawing/2014/main" id="{8456E314-2B8A-0B45-B8BB-C04ABEADA5E6}"/>
+                <a16:creationId xmlns:a16="http://schemas.microsoft.com/office/drawing/2014/main" xmlns="" id="{8456E314-2B8A-0B45-B8BB-C04ABEADA5E6}"/>
               </a:ext>
               <a:ext uri="{C183D7F6-B498-43B3-948B-1728B52AA6E4}">
-                <adec:decorative xmlns="" xmlns:adec="http://schemas.microsoft.com/office/drawing/2017/decorative" val="1"/>
+                <adec:decorative xmlns:adec="http://schemas.microsoft.com/office/drawing/2017/decorative" xmlns="" val="1"/>
               </a:ext>
             </a:extLst>
           </p:cNvPr>
@@ -13752,7 +13760,7 @@
           <p:cNvPr id="34" name="Chart 33" descr="circle charts to describe skills">
             <a:extLst>
               <a:ext uri="{FF2B5EF4-FFF2-40B4-BE49-F238E27FC236}">
-                <a16:creationId xmlns="" xmlns:a16="http://schemas.microsoft.com/office/drawing/2014/main" id="{0879FAC9-3752-42B5-8F11-CB110C33846D}"/>
+                <a16:creationId xmlns:a16="http://schemas.microsoft.com/office/drawing/2014/main" xmlns="" id="{0879FAC9-3752-42B5-8F11-CB110C33846D}"/>
               </a:ext>
             </a:extLst>
           </p:cNvPr>
@@ -13812,7 +13820,7 @@
           <p:cNvPr id="354" name="Text Placeholder 26">
             <a:extLst>
               <a:ext uri="{FF2B5EF4-FFF2-40B4-BE49-F238E27FC236}">
-                <a16:creationId xmlns="" xmlns:a16="http://schemas.microsoft.com/office/drawing/2014/main" id="{E6D02D8E-D2B5-7344-B5A7-74297A3824E8}"/>
+                <a16:creationId xmlns:a16="http://schemas.microsoft.com/office/drawing/2014/main" xmlns="" id="{E6D02D8E-D2B5-7344-B5A7-74297A3824E8}"/>
               </a:ext>
             </a:extLst>
           </p:cNvPr>
@@ -14173,7 +14181,7 @@
   <a:extraClrSchemeLst/>
   <a:extLst>
     <a:ext uri="{05A4C25C-085E-4340-85A3-A5531E510DB2}">
-      <thm15:themeFamily xmlns="" xmlns:thm15="http://schemas.microsoft.com/office/thememl/2012/main" name="INFO Resume 03_AE_CLR_v7" id="{8DF4B4FA-B337-45A8-9AC8-4A797F969B65}" vid="{65AD6FE7-9CA3-4E7C-ACD0-6FDD0A90F215}"/>
+      <thm15:themeFamily xmlns:thm15="http://schemas.microsoft.com/office/thememl/2012/main" xmlns="" name="INFO Resume 03_AE_CLR_v7" id="{8DF4B4FA-B337-45A8-9AC8-4A797F969B65}" vid="{65AD6FE7-9CA3-4E7C-ACD0-6FDD0A90F215}"/>
     </a:ext>
   </a:extLst>
 </a:theme>
@@ -14468,7 +14476,7 @@
   <a:extraClrSchemeLst/>
   <a:extLst>
     <a:ext uri="{05A4C25C-085E-4340-85A3-A5531E510DB2}">
-      <thm15:themeFamily xmlns="" xmlns:thm15="http://schemas.microsoft.com/office/thememl/2012/main" name="Office Theme" id="{62F939B6-93AF-4DB8-9C6B-D6C7DFDC589F}" vid="{4A3C46E8-61CC-4603-A589-7422A47A8E4A}"/>
+      <thm15:themeFamily xmlns:thm15="http://schemas.microsoft.com/office/thememl/2012/main" xmlns="" name="Office Theme" id="{62F939B6-93AF-4DB8-9C6B-D6C7DFDC589F}" vid="{4A3C46E8-61CC-4603-A589-7422A47A8E4A}"/>
     </a:ext>
   </a:extLst>
 </a:theme>
@@ -14763,13 +14771,30 @@
   <a:extraClrSchemeLst/>
   <a:extLst>
     <a:ext uri="{05A4C25C-085E-4340-85A3-A5531E510DB2}">
-      <thm15:themeFamily xmlns="" xmlns:thm15="http://schemas.microsoft.com/office/thememl/2012/main" name="Office Theme" id="{62F939B6-93AF-4DB8-9C6B-D6C7DFDC589F}" vid="{4A3C46E8-61CC-4603-A589-7422A47A8E4A}"/>
+      <thm15:themeFamily xmlns:thm15="http://schemas.microsoft.com/office/thememl/2012/main" xmlns="" name="Office Theme" id="{62F939B6-93AF-4DB8-9C6B-D6C7DFDC589F}" vid="{4A3C46E8-61CC-4603-A589-7422A47A8E4A}"/>
     </a:ext>
   </a:extLst>
 </a:theme>
 </file>
 
 <file path=customXml/item1.xml><?xml version="1.0" encoding="utf-8"?>
+<p:properties xmlns:p="http://schemas.microsoft.com/office/2006/metadata/properties" xmlns:xsi="http://www.w3.org/2001/XMLSchema-instance" xmlns:pc="http://schemas.microsoft.com/office/infopath/2007/PartnerControls">
+  <documentManagement>
+    <MediaServiceKeyPoints xmlns="ef88797d-310b-4d46-ad9c-0c23fa0c8d45" xsi:nil="true"/>
+  </documentManagement>
+</p:properties>
+</file>
+
+<file path=customXml/item2.xml><?xml version="1.0" encoding="utf-8"?>
+<?mso-contentType ?>
+<FormTemplates xmlns="http://schemas.microsoft.com/sharepoint/v3/contenttype/forms">
+  <Display>DocumentLibraryForm</Display>
+  <Edit>DocumentLibraryForm</Edit>
+  <New>DocumentLibraryForm</New>
+</FormTemplates>
+</file>
+
+<file path=customXml/item3.xml><?xml version="1.0" encoding="utf-8"?>
 <ct:contentTypeSchema xmlns:ct="http://schemas.microsoft.com/office/2006/metadata/contentType" xmlns:ma="http://schemas.microsoft.com/office/2006/metadata/properties/metaAttributes" ct:_="" ma:_="" ma:contentTypeName="Document" ma:contentTypeID="0x0101005F02E0EF7D44C04B9FA644DBFF45FF6A" ma:contentTypeVersion="13" ma:contentTypeDescription="Create a new document." ma:contentTypeScope="" ma:versionID="206b9469efed5238e3299da57cdc015e">
   <xsd:schema xmlns:xsd="http://www.w3.org/2001/XMLSchema" xmlns:xs="http://www.w3.org/2001/XMLSchema" xmlns:p="http://schemas.microsoft.com/office/2006/metadata/properties" xmlns:ns2="876de33e-aaa5-4507-9b92-b84e676ded0d" xmlns:ns3="ef88797d-310b-4d46-ad9c-0c23fa0c8d45" targetNamespace="http://schemas.microsoft.com/office/2006/metadata/properties" ma:root="true" ma:fieldsID="281ed500249cd3fe925a7af84a8b56c4" ns2:_="" ns3:_="">
     <xsd:import namespace="876de33e-aaa5-4507-9b92-b84e676ded0d"/>
@@ -14992,24 +15017,32 @@
 </ct:contentTypeSchema>
 </file>
 
-<file path=customXml/item2.xml><?xml version="1.0" encoding="utf-8"?>
-<?mso-contentType ?>
-<FormTemplates xmlns="http://schemas.microsoft.com/sharepoint/v3/contenttype/forms">
-  <Display>DocumentLibraryForm</Display>
-  <Edit>DocumentLibraryForm</Edit>
-  <New>DocumentLibraryForm</New>
-</FormTemplates>
+<file path=customXml/itemProps1.xml><?xml version="1.0" encoding="utf-8"?>
+<ds:datastoreItem xmlns:ds="http://schemas.openxmlformats.org/officeDocument/2006/customXml" ds:itemID="{64FC06E3-0E84-4E3F-B416-FB828DCF9B7F}">
+  <ds:schemaRefs>
+    <ds:schemaRef ds:uri="http://purl.org/dc/terms/"/>
+    <ds:schemaRef ds:uri="http://schemas.openxmlformats.org/package/2006/metadata/core-properties"/>
+    <ds:schemaRef ds:uri="http://purl.org/dc/dcmitype/"/>
+    <ds:schemaRef ds:uri="http://schemas.microsoft.com/office/infopath/2007/PartnerControls"/>
+    <ds:schemaRef ds:uri="ef88797d-310b-4d46-ad9c-0c23fa0c8d45"/>
+    <ds:schemaRef ds:uri="876de33e-aaa5-4507-9b92-b84e676ded0d"/>
+    <ds:schemaRef ds:uri="http://purl.org/dc/elements/1.1/"/>
+    <ds:schemaRef ds:uri="http://schemas.microsoft.com/office/2006/documentManagement/types"/>
+    <ds:schemaRef ds:uri="http://schemas.microsoft.com/office/2006/metadata/properties"/>
+    <ds:schemaRef ds:uri="http://www.w3.org/XML/1998/namespace"/>
+  </ds:schemaRefs>
+</ds:datastoreItem>
 </file>
 
-<file path=customXml/item3.xml><?xml version="1.0" encoding="utf-8"?>
-<p:properties xmlns:p="http://schemas.microsoft.com/office/2006/metadata/properties" xmlns:xsi="http://www.w3.org/2001/XMLSchema-instance" xmlns:pc="http://schemas.microsoft.com/office/infopath/2007/PartnerControls">
-  <documentManagement>
-    <MediaServiceKeyPoints xmlns="ef88797d-310b-4d46-ad9c-0c23fa0c8d45" xsi:nil="true"/>
-  </documentManagement>
-</p:properties>
+<file path=customXml/itemProps2.xml><?xml version="1.0" encoding="utf-8"?>
+<ds:datastoreItem xmlns:ds="http://schemas.openxmlformats.org/officeDocument/2006/customXml" ds:itemID="{6CC8330E-9243-41D2-B668-95E77A525F12}">
+  <ds:schemaRefs>
+    <ds:schemaRef ds:uri="http://schemas.microsoft.com/sharepoint/v3/contenttype/forms"/>
+  </ds:schemaRefs>
+</ds:datastoreItem>
 </file>
 
-<file path=customXml/itemProps1.xml><?xml version="1.0" encoding="utf-8"?>
+<file path=customXml/itemProps3.xml><?xml version="1.0" encoding="utf-8"?>
 <ds:datastoreItem xmlns:ds="http://schemas.openxmlformats.org/officeDocument/2006/customXml" ds:itemID="{6C0558B0-8C20-4473-953C-1BB329A85EE1}">
   <ds:schemaRefs>
     <ds:schemaRef ds:uri="http://schemas.microsoft.com/office/2006/metadata/contentType"/>
@@ -15026,29 +15059,4 @@
     <ds:schemaRef ds:uri="http://schemas.microsoft.com/internal/obd"/>
   </ds:schemaRefs>
 </ds:datastoreItem>
-</file>
-
-<file path=customXml/itemProps2.xml><?xml version="1.0" encoding="utf-8"?>
-<ds:datastoreItem xmlns:ds="http://schemas.openxmlformats.org/officeDocument/2006/customXml" ds:itemID="{6CC8330E-9243-41D2-B668-95E77A525F12}">
-  <ds:schemaRefs>
-    <ds:schemaRef ds:uri="http://schemas.microsoft.com/sharepoint/v3/contenttype/forms"/>
-  </ds:schemaRefs>
-</ds:datastoreItem>
-</file>
-
-<file path=customXml/itemProps3.xml><?xml version="1.0" encoding="utf-8"?>
-<ds:datastoreItem xmlns:ds="http://schemas.openxmlformats.org/officeDocument/2006/customXml" ds:itemID="{64FC06E3-0E84-4E3F-B416-FB828DCF9B7F}">
-  <ds:schemaRefs>
-    <ds:schemaRef ds:uri="http://purl.org/dc/terms/"/>
-    <ds:schemaRef ds:uri="http://schemas.openxmlformats.org/package/2006/metadata/core-properties"/>
-    <ds:schemaRef ds:uri="http://purl.org/dc/dcmitype/"/>
-    <ds:schemaRef ds:uri="http://schemas.microsoft.com/office/infopath/2007/PartnerControls"/>
-    <ds:schemaRef ds:uri="http://schemas.microsoft.com/office/2006/documentManagement/types"/>
-    <ds:schemaRef ds:uri="876de33e-aaa5-4507-9b92-b84e676ded0d"/>
-    <ds:schemaRef ds:uri="http://purl.org/dc/elements/1.1/"/>
-    <ds:schemaRef ds:uri="http://schemas.microsoft.com/office/2006/metadata/properties"/>
-    <ds:schemaRef ds:uri="ef88797d-310b-4d46-ad9c-0c23fa0c8d45"/>
-    <ds:schemaRef ds:uri="http://www.w3.org/XML/1998/namespace"/>
-  </ds:schemaRefs>
-</ds:datastoreItem>
 </file>